--- a/06/Ниже приведена программа, записанная на пяти языках.pptx
+++ b/06/Ниже приведена программа, записанная на пяти языках.pptx
@@ -12,6 +12,14 @@
     <p:sldId id="261" r:id="rId6"/>
     <p:sldId id="263" r:id="rId7"/>
     <p:sldId id="264" r:id="rId8"/>
+    <p:sldId id="265" r:id="rId9"/>
+    <p:sldId id="266" r:id="rId10"/>
+    <p:sldId id="267" r:id="rId11"/>
+    <p:sldId id="268" r:id="rId12"/>
+    <p:sldId id="269" r:id="rId13"/>
+    <p:sldId id="270" r:id="rId14"/>
+    <p:sldId id="271" r:id="rId15"/>
+    <p:sldId id="272" r:id="rId16"/>
   </p:sldIdLst>
   <p:sldSz cx="12192000" cy="6858000"/>
   <p:notesSz cx="6858000" cy="9144000"/>
@@ -110,6 +118,11 @@
       </a:defRPr>
     </a:lvl9pPr>
   </p:defaultTextStyle>
+  <p:extLst>
+    <p:ext uri="{EFAFB233-063F-42B5-8137-9DF3F51BA10A}">
+      <p15:sldGuideLst xmlns:p15="http://schemas.microsoft.com/office/powerpoint/2012/main"/>
+    </p:ext>
+  </p:extLst>
 </p:presentation>
 </file>
 
@@ -4084,10 +4097,2739 @@
           </a:graphicData>
         </a:graphic>
       </p:graphicFrame>
+      <p:sp>
+        <p:nvSpPr>
+          <p:cNvPr id="3" name="Прямоугольник 2"/>
+          <p:cNvSpPr/>
+          <p:nvPr/>
+        </p:nvSpPr>
+        <p:spPr>
+          <a:xfrm>
+            <a:off x="11143488" y="0"/>
+            <a:ext cx="992579" cy="369332"/>
+          </a:xfrm>
+          <a:prstGeom prst="rect">
+            <a:avLst/>
+          </a:prstGeom>
+        </p:spPr>
+        <p:txBody>
+          <a:bodyPr wrap="none">
+            <a:spAutoFit/>
+          </a:bodyPr>
+          <a:lstStyle/>
+          <a:p>
+            <a:r>
+              <a:rPr lang="en-US" b="1" dirty="0">
+                <a:solidFill>
+                  <a:srgbClr val="055154"/>
+                </a:solidFill>
+                <a:latin typeface="Open Sans Bold"/>
+              </a:rPr>
+              <a:t>D49648</a:t>
+            </a:r>
+            <a:endParaRPr lang="ru-RU" dirty="0"/>
+          </a:p>
+        </p:txBody>
+      </p:sp>
     </p:spTree>
     <p:extLst>
       <p:ext uri="{BB962C8B-B14F-4D97-AF65-F5344CB8AC3E}">
         <p14:creationId xmlns:p14="http://schemas.microsoft.com/office/powerpoint/2010/main" val="58510316"/>
+      </p:ext>
+    </p:extLst>
+  </p:cSld>
+  <p:clrMapOvr>
+    <a:masterClrMapping/>
+  </p:clrMapOvr>
+</p:sld>
+</file>
+
+<file path=ppt/slides/slide10.xml><?xml version="1.0" encoding="utf-8"?>
+<p:sld xmlns:a="http://schemas.openxmlformats.org/drawingml/2006/main" xmlns:r="http://schemas.openxmlformats.org/officeDocument/2006/relationships" xmlns:p="http://schemas.openxmlformats.org/presentationml/2006/main">
+  <p:cSld>
+    <p:spTree>
+      <p:nvGrpSpPr>
+        <p:cNvPr id="1" name=""/>
+        <p:cNvGrpSpPr/>
+        <p:nvPr/>
+      </p:nvGrpSpPr>
+      <p:grpSpPr>
+        <a:xfrm>
+          <a:off x="0" y="0"/>
+          <a:ext cx="0" cy="0"/>
+          <a:chOff x="0" y="0"/>
+          <a:chExt cx="0" cy="0"/>
+        </a:xfrm>
+      </p:grpSpPr>
+      <p:sp>
+        <p:nvSpPr>
+          <p:cNvPr id="2" name="Заголовок 1"/>
+          <p:cNvSpPr>
+            <a:spLocks noGrp="1"/>
+          </p:cNvSpPr>
+          <p:nvPr>
+            <p:ph type="title"/>
+          </p:nvPr>
+        </p:nvSpPr>
+        <p:spPr/>
+        <p:txBody>
+          <a:bodyPr/>
+          <a:lstStyle/>
+          <a:p>
+            <a:r>
+              <a:rPr lang="ru-RU" dirty="0"/>
+              <a:t>Ниже приведена программа, записанная на пяти языках программирования.</a:t>
+            </a:r>
+            <a:endParaRPr lang="ru-RU" dirty="0"/>
+          </a:p>
+        </p:txBody>
+      </p:sp>
+      <p:graphicFrame>
+        <p:nvGraphicFramePr>
+          <p:cNvPr id="5" name="Объект 4"/>
+          <p:cNvGraphicFramePr>
+            <a:graphicFrameLocks noGrp="1"/>
+          </p:cNvGraphicFramePr>
+          <p:nvPr>
+            <p:ph idx="1"/>
+            <p:extLst>
+              <p:ext uri="{D42A27DB-BD31-4B8C-83A1-F6EECF244321}">
+                <p14:modId xmlns:p14="http://schemas.microsoft.com/office/powerpoint/2010/main" val="4048763133"/>
+              </p:ext>
+            </p:extLst>
+          </p:nvPr>
+        </p:nvGraphicFramePr>
+        <p:xfrm>
+          <a:off x="943356" y="1982581"/>
+          <a:ext cx="10305288" cy="3017520"/>
+        </p:xfrm>
+        <a:graphic>
+          <a:graphicData uri="http://schemas.openxmlformats.org/drawingml/2006/table">
+            <a:tbl>
+              <a:tblPr/>
+              <a:tblGrid>
+                <a:gridCol w="5152644">
+                  <a:extLst>
+                    <a:ext uri="{9D8B030D-6E8A-4147-A177-3AD203B41FA5}">
+                      <a16:colId xmlns:a16="http://schemas.microsoft.com/office/drawing/2014/main" val="2801880934"/>
+                    </a:ext>
+                  </a:extLst>
+                </a:gridCol>
+                <a:gridCol w="5152644">
+                  <a:extLst>
+                    <a:ext uri="{9D8B030D-6E8A-4147-A177-3AD203B41FA5}">
+                      <a16:colId xmlns:a16="http://schemas.microsoft.com/office/drawing/2014/main" val="3501760479"/>
+                    </a:ext>
+                  </a:extLst>
+                </a:gridCol>
+              </a:tblGrid>
+              <a:tr h="0">
+                <a:tc>
+                  <a:txBody>
+                    <a:bodyPr/>
+                    <a:lstStyle/>
+                    <a:p>
+                      <a:pPr algn="just"/>
+                      <a:r>
+                        <a:rPr lang="ru-RU" b="1" i="0" dirty="0">
+                          <a:effectLst/>
+                          <a:latin typeface="Times New Roman" panose="02020603050405020304" pitchFamily="18" charset="0"/>
+                        </a:rPr>
+                        <a:t/>
+                      </a:r>
+                      <a:br>
+                        <a:rPr lang="ru-RU" b="1" i="0" dirty="0">
+                          <a:effectLst/>
+                          <a:latin typeface="Times New Roman" panose="02020603050405020304" pitchFamily="18" charset="0"/>
+                        </a:rPr>
+                      </a:br>
+                      <a:r>
+                        <a:rPr lang="ru-RU" sz="1800" b="1" i="0" kern="1200" dirty="0" smtClean="0">
+                          <a:solidFill>
+                            <a:schemeClr val="tx1"/>
+                          </a:solidFill>
+                          <a:effectLst/>
+                          <a:latin typeface="+mn-lt"/>
+                          <a:ea typeface="+mn-ea"/>
+                          <a:cs typeface="+mn-cs"/>
+                        </a:rPr>
+                        <a:t>Паскаль</a:t>
+                      </a:r>
+                      <a:endParaRPr lang="ru-RU" b="0" i="0" dirty="0">
+                        <a:effectLst/>
+                        <a:latin typeface="Times New Roman" panose="02020603050405020304" pitchFamily="18" charset="0"/>
+                      </a:endParaRPr>
+                    </a:p>
+                  </a:txBody>
+                  <a:tcPr marL="0" marR="0" marT="0" marB="0" anchor="ctr">
+                    <a:lnL w="12700" cap="flat" cmpd="sng" algn="ctr">
+                      <a:solidFill>
+                        <a:schemeClr val="tx1"/>
+                      </a:solidFill>
+                      <a:prstDash val="solid"/>
+                      <a:round/>
+                      <a:headEnd type="none" w="med" len="med"/>
+                      <a:tailEnd type="none" w="med" len="med"/>
+                    </a:lnL>
+                    <a:lnR w="12700" cap="flat" cmpd="sng" algn="ctr">
+                      <a:solidFill>
+                        <a:schemeClr val="tx1"/>
+                      </a:solidFill>
+                      <a:prstDash val="solid"/>
+                      <a:round/>
+                      <a:headEnd type="none" w="med" len="med"/>
+                      <a:tailEnd type="none" w="med" len="med"/>
+                    </a:lnR>
+                    <a:lnT w="12700" cap="flat" cmpd="sng" algn="ctr">
+                      <a:solidFill>
+                        <a:schemeClr val="tx1"/>
+                      </a:solidFill>
+                      <a:prstDash val="solid"/>
+                      <a:round/>
+                      <a:headEnd type="none" w="med" len="med"/>
+                      <a:tailEnd type="none" w="med" len="med"/>
+                    </a:lnT>
+                    <a:lnB w="12700" cap="flat" cmpd="sng" algn="ctr">
+                      <a:solidFill>
+                        <a:schemeClr val="tx1"/>
+                      </a:solidFill>
+                      <a:prstDash val="solid"/>
+                      <a:round/>
+                      <a:headEnd type="none" w="med" len="med"/>
+                      <a:tailEnd type="none" w="med" len="med"/>
+                    </a:lnB>
+                  </a:tcPr>
+                </a:tc>
+                <a:tc>
+                  <a:txBody>
+                    <a:bodyPr/>
+                    <a:lstStyle/>
+                    <a:p>
+                      <a:pPr algn="just"/>
+                      <a:r>
+                        <a:rPr lang="en-US" b="1" i="0">
+                          <a:effectLst/>
+                          <a:latin typeface="Times New Roman" panose="02020603050405020304" pitchFamily="18" charset="0"/>
+                        </a:rPr>
+                        <a:t>Python</a:t>
+                      </a:r>
+                      <a:endParaRPr lang="en-US" b="0" i="0">
+                        <a:effectLst/>
+                        <a:latin typeface="Times New Roman" panose="02020603050405020304" pitchFamily="18" charset="0"/>
+                      </a:endParaRPr>
+                    </a:p>
+                  </a:txBody>
+                  <a:tcPr marL="0" marR="0" marT="0" marB="0">
+                    <a:lnL w="12700" cap="flat" cmpd="sng" algn="ctr">
+                      <a:solidFill>
+                        <a:schemeClr val="tx1"/>
+                      </a:solidFill>
+                      <a:prstDash val="solid"/>
+                      <a:round/>
+                      <a:headEnd type="none" w="med" len="med"/>
+                      <a:tailEnd type="none" w="med" len="med"/>
+                    </a:lnL>
+                    <a:lnR w="12700" cap="flat" cmpd="sng" algn="ctr">
+                      <a:solidFill>
+                        <a:schemeClr val="tx1"/>
+                      </a:solidFill>
+                      <a:prstDash val="solid"/>
+                      <a:round/>
+                      <a:headEnd type="none" w="med" len="med"/>
+                      <a:tailEnd type="none" w="med" len="med"/>
+                    </a:lnR>
+                    <a:lnT w="12700" cap="flat" cmpd="sng" algn="ctr">
+                      <a:solidFill>
+                        <a:schemeClr val="tx1"/>
+                      </a:solidFill>
+                      <a:prstDash val="solid"/>
+                      <a:round/>
+                      <a:headEnd type="none" w="med" len="med"/>
+                      <a:tailEnd type="none" w="med" len="med"/>
+                    </a:lnT>
+                    <a:lnB w="12700" cap="flat" cmpd="sng" algn="ctr">
+                      <a:solidFill>
+                        <a:schemeClr val="tx1"/>
+                      </a:solidFill>
+                      <a:prstDash val="solid"/>
+                      <a:round/>
+                      <a:headEnd type="none" w="med" len="med"/>
+                      <a:tailEnd type="none" w="med" len="med"/>
+                    </a:lnB>
+                  </a:tcPr>
+                </a:tc>
+                <a:extLst>
+                  <a:ext uri="{0D108BD9-81ED-4DB2-BD59-A6C34878D82A}">
+                    <a16:rowId xmlns:a16="http://schemas.microsoft.com/office/drawing/2014/main" val="789509954"/>
+                  </a:ext>
+                </a:extLst>
+              </a:tr>
+              <a:tr h="0">
+                <a:tc>
+                  <a:txBody>
+                    <a:bodyPr/>
+                    <a:lstStyle/>
+                    <a:p>
+                      <a:r>
+                        <a:rPr lang="en-US" sz="1800" b="0" i="0" kern="1200" dirty="0" err="1" smtClean="0">
+                          <a:solidFill>
+                            <a:schemeClr val="tx1"/>
+                          </a:solidFill>
+                          <a:effectLst/>
+                          <a:latin typeface="+mn-lt"/>
+                          <a:ea typeface="+mn-ea"/>
+                          <a:cs typeface="+mn-cs"/>
+                        </a:rPr>
+                        <a:t>var</a:t>
+                      </a:r>
+                      <a:r>
+                        <a:rPr lang="en-US" sz="1800" b="0" i="0" kern="1200" dirty="0" smtClean="0">
+                          <a:solidFill>
+                            <a:schemeClr val="tx1"/>
+                          </a:solidFill>
+                          <a:effectLst/>
+                          <a:latin typeface="+mn-lt"/>
+                          <a:ea typeface="+mn-ea"/>
+                          <a:cs typeface="+mn-cs"/>
+                        </a:rPr>
+                        <a:t> s, t, A: integer;</a:t>
+                      </a:r>
+                    </a:p>
+                    <a:p>
+                      <a:r>
+                        <a:rPr lang="en-US" sz="1800" b="0" i="0" kern="1200" dirty="0" smtClean="0">
+                          <a:solidFill>
+                            <a:schemeClr val="tx1"/>
+                          </a:solidFill>
+                          <a:effectLst/>
+                          <a:latin typeface="+mn-lt"/>
+                          <a:ea typeface="+mn-ea"/>
+                          <a:cs typeface="+mn-cs"/>
+                        </a:rPr>
+                        <a:t>begin</a:t>
+                      </a:r>
+                    </a:p>
+                    <a:p>
+                      <a:r>
+                        <a:rPr lang="en-US" sz="1800" b="0" i="0" kern="1200" dirty="0" smtClean="0">
+                          <a:solidFill>
+                            <a:schemeClr val="tx1"/>
+                          </a:solidFill>
+                          <a:effectLst/>
+                          <a:latin typeface="+mn-lt"/>
+                          <a:ea typeface="+mn-ea"/>
+                          <a:cs typeface="+mn-cs"/>
+                        </a:rPr>
+                        <a:t> </a:t>
+                      </a:r>
+                      <a:r>
+                        <a:rPr lang="en-US" sz="1800" b="0" i="0" kern="1200" dirty="0" err="1" smtClean="0">
+                          <a:solidFill>
+                            <a:schemeClr val="tx1"/>
+                          </a:solidFill>
+                          <a:effectLst/>
+                          <a:latin typeface="+mn-lt"/>
+                          <a:ea typeface="+mn-ea"/>
+                          <a:cs typeface="+mn-cs"/>
+                        </a:rPr>
+                        <a:t>readln</a:t>
+                      </a:r>
+                      <a:r>
+                        <a:rPr lang="en-US" sz="1800" b="0" i="0" kern="1200" dirty="0" smtClean="0">
+                          <a:solidFill>
+                            <a:schemeClr val="tx1"/>
+                          </a:solidFill>
+                          <a:effectLst/>
+                          <a:latin typeface="+mn-lt"/>
+                          <a:ea typeface="+mn-ea"/>
+                          <a:cs typeface="+mn-cs"/>
+                        </a:rPr>
+                        <a:t>(s);</a:t>
+                      </a:r>
+                    </a:p>
+                    <a:p>
+                      <a:r>
+                        <a:rPr lang="en-US" sz="1800" b="0" i="0" kern="1200" dirty="0" smtClean="0">
+                          <a:solidFill>
+                            <a:schemeClr val="tx1"/>
+                          </a:solidFill>
+                          <a:effectLst/>
+                          <a:latin typeface="+mn-lt"/>
+                          <a:ea typeface="+mn-ea"/>
+                          <a:cs typeface="+mn-cs"/>
+                        </a:rPr>
+                        <a:t> </a:t>
+                      </a:r>
+                      <a:r>
+                        <a:rPr lang="en-US" sz="1800" b="0" i="0" kern="1200" dirty="0" err="1" smtClean="0">
+                          <a:solidFill>
+                            <a:schemeClr val="tx1"/>
+                          </a:solidFill>
+                          <a:effectLst/>
+                          <a:latin typeface="+mn-lt"/>
+                          <a:ea typeface="+mn-ea"/>
+                          <a:cs typeface="+mn-cs"/>
+                        </a:rPr>
+                        <a:t>readln</a:t>
+                      </a:r>
+                      <a:r>
+                        <a:rPr lang="en-US" sz="1800" b="0" i="0" kern="1200" dirty="0" smtClean="0">
+                          <a:solidFill>
+                            <a:schemeClr val="tx1"/>
+                          </a:solidFill>
+                          <a:effectLst/>
+                          <a:latin typeface="+mn-lt"/>
+                          <a:ea typeface="+mn-ea"/>
+                          <a:cs typeface="+mn-cs"/>
+                        </a:rPr>
+                        <a:t>(t);</a:t>
+                      </a:r>
+                    </a:p>
+                    <a:p>
+                      <a:r>
+                        <a:rPr lang="en-US" sz="1800" b="0" i="0" kern="1200" dirty="0" smtClean="0">
+                          <a:solidFill>
+                            <a:schemeClr val="tx1"/>
+                          </a:solidFill>
+                          <a:effectLst/>
+                          <a:latin typeface="+mn-lt"/>
+                          <a:ea typeface="+mn-ea"/>
+                          <a:cs typeface="+mn-cs"/>
+                        </a:rPr>
+                        <a:t> </a:t>
+                      </a:r>
+                      <a:r>
+                        <a:rPr lang="en-US" sz="1800" b="0" i="0" kern="1200" dirty="0" err="1" smtClean="0">
+                          <a:solidFill>
+                            <a:schemeClr val="tx1"/>
+                          </a:solidFill>
+                          <a:effectLst/>
+                          <a:latin typeface="+mn-lt"/>
+                          <a:ea typeface="+mn-ea"/>
+                          <a:cs typeface="+mn-cs"/>
+                        </a:rPr>
+                        <a:t>readln</a:t>
+                      </a:r>
+                      <a:r>
+                        <a:rPr lang="en-US" sz="1800" b="0" i="0" kern="1200" dirty="0" smtClean="0">
+                          <a:solidFill>
+                            <a:schemeClr val="tx1"/>
+                          </a:solidFill>
+                          <a:effectLst/>
+                          <a:latin typeface="+mn-lt"/>
+                          <a:ea typeface="+mn-ea"/>
+                          <a:cs typeface="+mn-cs"/>
+                        </a:rPr>
+                        <a:t>(A);</a:t>
+                      </a:r>
+                    </a:p>
+                    <a:p>
+                      <a:r>
+                        <a:rPr lang="en-US" sz="1800" b="0" i="0" kern="1200" dirty="0" smtClean="0">
+                          <a:solidFill>
+                            <a:schemeClr val="tx1"/>
+                          </a:solidFill>
+                          <a:effectLst/>
+                          <a:latin typeface="+mn-lt"/>
+                          <a:ea typeface="+mn-ea"/>
+                          <a:cs typeface="+mn-cs"/>
+                        </a:rPr>
+                        <a:t> if (s &gt; 10) or (t &gt; A)</a:t>
+                      </a:r>
+                    </a:p>
+                    <a:p>
+                      <a:r>
+                        <a:rPr lang="en-US" sz="1800" b="0" i="0" kern="1200" dirty="0" smtClean="0">
+                          <a:solidFill>
+                            <a:schemeClr val="tx1"/>
+                          </a:solidFill>
+                          <a:effectLst/>
+                          <a:latin typeface="+mn-lt"/>
+                          <a:ea typeface="+mn-ea"/>
+                          <a:cs typeface="+mn-cs"/>
+                        </a:rPr>
+                        <a:t>  then </a:t>
+                      </a:r>
+                      <a:r>
+                        <a:rPr lang="en-US" sz="1800" b="0" i="0" kern="1200" dirty="0" err="1" smtClean="0">
+                          <a:solidFill>
+                            <a:schemeClr val="tx1"/>
+                          </a:solidFill>
+                          <a:effectLst/>
+                          <a:latin typeface="+mn-lt"/>
+                          <a:ea typeface="+mn-ea"/>
+                          <a:cs typeface="+mn-cs"/>
+                        </a:rPr>
+                        <a:t>writeln</a:t>
+                      </a:r>
+                      <a:r>
+                        <a:rPr lang="en-US" sz="1800" b="0" i="0" kern="1200" dirty="0" smtClean="0">
+                          <a:solidFill>
+                            <a:schemeClr val="tx1"/>
+                          </a:solidFill>
+                          <a:effectLst/>
+                          <a:latin typeface="+mn-lt"/>
+                          <a:ea typeface="+mn-ea"/>
+                          <a:cs typeface="+mn-cs"/>
+                        </a:rPr>
+                        <a:t>("YES")</a:t>
+                      </a:r>
+                    </a:p>
+                    <a:p>
+                      <a:r>
+                        <a:rPr lang="en-US" sz="1800" b="0" i="0" kern="1200" dirty="0" smtClean="0">
+                          <a:solidFill>
+                            <a:schemeClr val="tx1"/>
+                          </a:solidFill>
+                          <a:effectLst/>
+                          <a:latin typeface="+mn-lt"/>
+                          <a:ea typeface="+mn-ea"/>
+                          <a:cs typeface="+mn-cs"/>
+                        </a:rPr>
+                        <a:t>  else </a:t>
+                      </a:r>
+                      <a:r>
+                        <a:rPr lang="en-US" sz="1800" b="0" i="0" kern="1200" dirty="0" err="1" smtClean="0">
+                          <a:solidFill>
+                            <a:schemeClr val="tx1"/>
+                          </a:solidFill>
+                          <a:effectLst/>
+                          <a:latin typeface="+mn-lt"/>
+                          <a:ea typeface="+mn-ea"/>
+                          <a:cs typeface="+mn-cs"/>
+                        </a:rPr>
+                        <a:t>writeln</a:t>
+                      </a:r>
+                      <a:r>
+                        <a:rPr lang="en-US" sz="1800" b="0" i="0" kern="1200" dirty="0" smtClean="0">
+                          <a:solidFill>
+                            <a:schemeClr val="tx1"/>
+                          </a:solidFill>
+                          <a:effectLst/>
+                          <a:latin typeface="+mn-lt"/>
+                          <a:ea typeface="+mn-ea"/>
+                          <a:cs typeface="+mn-cs"/>
+                        </a:rPr>
+                        <a:t>("NO")</a:t>
+                      </a:r>
+                    </a:p>
+                    <a:p>
+                      <a:r>
+                        <a:rPr lang="en-US" sz="1800" b="0" i="0" kern="1200" dirty="0" smtClean="0">
+                          <a:solidFill>
+                            <a:schemeClr val="tx1"/>
+                          </a:solidFill>
+                          <a:effectLst/>
+                          <a:latin typeface="+mn-lt"/>
+                          <a:ea typeface="+mn-ea"/>
+                          <a:cs typeface="+mn-cs"/>
+                        </a:rPr>
+                        <a:t>end.</a:t>
+                      </a:r>
+                      <a:endParaRPr lang="en-US" sz="1800" b="0" i="0" kern="1200" dirty="0">
+                        <a:solidFill>
+                          <a:schemeClr val="tx1"/>
+                        </a:solidFill>
+                        <a:effectLst/>
+                        <a:latin typeface="+mn-lt"/>
+                        <a:ea typeface="+mn-ea"/>
+                        <a:cs typeface="+mn-cs"/>
+                      </a:endParaRPr>
+                    </a:p>
+                  </a:txBody>
+                  <a:tcPr marL="0" marR="0" marT="0" marB="0">
+                    <a:lnL w="12700" cap="flat" cmpd="sng" algn="ctr">
+                      <a:solidFill>
+                        <a:schemeClr val="tx1"/>
+                      </a:solidFill>
+                      <a:prstDash val="solid"/>
+                      <a:round/>
+                      <a:headEnd type="none" w="med" len="med"/>
+                      <a:tailEnd type="none" w="med" len="med"/>
+                    </a:lnL>
+                    <a:lnR w="12700" cap="flat" cmpd="sng" algn="ctr">
+                      <a:solidFill>
+                        <a:schemeClr val="tx1"/>
+                      </a:solidFill>
+                      <a:prstDash val="solid"/>
+                      <a:round/>
+                      <a:headEnd type="none" w="med" len="med"/>
+                      <a:tailEnd type="none" w="med" len="med"/>
+                    </a:lnR>
+                    <a:lnT w="12700" cap="flat" cmpd="sng" algn="ctr">
+                      <a:solidFill>
+                        <a:schemeClr val="tx1"/>
+                      </a:solidFill>
+                      <a:prstDash val="solid"/>
+                      <a:round/>
+                      <a:headEnd type="none" w="med" len="med"/>
+                      <a:tailEnd type="none" w="med" len="med"/>
+                    </a:lnT>
+                    <a:lnB w="12700" cap="flat" cmpd="sng" algn="ctr">
+                      <a:solidFill>
+                        <a:schemeClr val="tx1"/>
+                      </a:solidFill>
+                      <a:prstDash val="solid"/>
+                      <a:round/>
+                      <a:headEnd type="none" w="med" len="med"/>
+                      <a:tailEnd type="none" w="med" len="med"/>
+                    </a:lnB>
+                  </a:tcPr>
+                </a:tc>
+                <a:tc>
+                  <a:txBody>
+                    <a:bodyPr/>
+                    <a:lstStyle/>
+                    <a:p>
+                      <a:r>
+                        <a:rPr lang="en-US" sz="1800" b="0" i="0" kern="1200" dirty="0" smtClean="0">
+                          <a:solidFill>
+                            <a:schemeClr val="tx1"/>
+                          </a:solidFill>
+                          <a:effectLst/>
+                          <a:latin typeface="+mn-lt"/>
+                          <a:ea typeface="+mn-ea"/>
+                          <a:cs typeface="+mn-cs"/>
+                        </a:rPr>
+                        <a:t>s = </a:t>
+                      </a:r>
+                      <a:r>
+                        <a:rPr lang="en-US" sz="1800" b="0" i="0" kern="1200" dirty="0" err="1" smtClean="0">
+                          <a:solidFill>
+                            <a:schemeClr val="tx1"/>
+                          </a:solidFill>
+                          <a:effectLst/>
+                          <a:latin typeface="+mn-lt"/>
+                          <a:ea typeface="+mn-ea"/>
+                          <a:cs typeface="+mn-cs"/>
+                        </a:rPr>
+                        <a:t>int</a:t>
+                      </a:r>
+                      <a:r>
+                        <a:rPr lang="en-US" sz="1800" b="0" i="0" kern="1200" dirty="0" smtClean="0">
+                          <a:solidFill>
+                            <a:schemeClr val="tx1"/>
+                          </a:solidFill>
+                          <a:effectLst/>
+                          <a:latin typeface="+mn-lt"/>
+                          <a:ea typeface="+mn-ea"/>
+                          <a:cs typeface="+mn-cs"/>
+                        </a:rPr>
+                        <a:t>(input())</a:t>
+                      </a:r>
+                    </a:p>
+                    <a:p>
+                      <a:r>
+                        <a:rPr lang="en-US" sz="1800" b="0" i="0" kern="1200" dirty="0" smtClean="0">
+                          <a:solidFill>
+                            <a:schemeClr val="tx1"/>
+                          </a:solidFill>
+                          <a:effectLst/>
+                          <a:latin typeface="+mn-lt"/>
+                          <a:ea typeface="+mn-ea"/>
+                          <a:cs typeface="+mn-cs"/>
+                        </a:rPr>
+                        <a:t>t = </a:t>
+                      </a:r>
+                      <a:r>
+                        <a:rPr lang="en-US" sz="1800" b="0" i="0" kern="1200" dirty="0" err="1" smtClean="0">
+                          <a:solidFill>
+                            <a:schemeClr val="tx1"/>
+                          </a:solidFill>
+                          <a:effectLst/>
+                          <a:latin typeface="+mn-lt"/>
+                          <a:ea typeface="+mn-ea"/>
+                          <a:cs typeface="+mn-cs"/>
+                        </a:rPr>
+                        <a:t>int</a:t>
+                      </a:r>
+                      <a:r>
+                        <a:rPr lang="en-US" sz="1800" b="0" i="0" kern="1200" dirty="0" smtClean="0">
+                          <a:solidFill>
+                            <a:schemeClr val="tx1"/>
+                          </a:solidFill>
+                          <a:effectLst/>
+                          <a:latin typeface="+mn-lt"/>
+                          <a:ea typeface="+mn-ea"/>
+                          <a:cs typeface="+mn-cs"/>
+                        </a:rPr>
+                        <a:t>(input())</a:t>
+                      </a:r>
+                    </a:p>
+                    <a:p>
+                      <a:r>
+                        <a:rPr lang="en-US" sz="1800" b="0" i="0" kern="1200" dirty="0" smtClean="0">
+                          <a:solidFill>
+                            <a:schemeClr val="tx1"/>
+                          </a:solidFill>
+                          <a:effectLst/>
+                          <a:latin typeface="+mn-lt"/>
+                          <a:ea typeface="+mn-ea"/>
+                          <a:cs typeface="+mn-cs"/>
+                        </a:rPr>
+                        <a:t>A = </a:t>
+                      </a:r>
+                      <a:r>
+                        <a:rPr lang="en-US" sz="1800" b="0" i="0" kern="1200" dirty="0" err="1" smtClean="0">
+                          <a:solidFill>
+                            <a:schemeClr val="tx1"/>
+                          </a:solidFill>
+                          <a:effectLst/>
+                          <a:latin typeface="+mn-lt"/>
+                          <a:ea typeface="+mn-ea"/>
+                          <a:cs typeface="+mn-cs"/>
+                        </a:rPr>
+                        <a:t>int</a:t>
+                      </a:r>
+                      <a:r>
+                        <a:rPr lang="en-US" sz="1800" b="0" i="0" kern="1200" dirty="0" smtClean="0">
+                          <a:solidFill>
+                            <a:schemeClr val="tx1"/>
+                          </a:solidFill>
+                          <a:effectLst/>
+                          <a:latin typeface="+mn-lt"/>
+                          <a:ea typeface="+mn-ea"/>
+                          <a:cs typeface="+mn-cs"/>
+                        </a:rPr>
+                        <a:t>(input())</a:t>
+                      </a:r>
+                    </a:p>
+                    <a:p>
+                      <a:r>
+                        <a:rPr lang="en-US" sz="1800" b="0" i="0" kern="1200" dirty="0" smtClean="0">
+                          <a:solidFill>
+                            <a:schemeClr val="tx1"/>
+                          </a:solidFill>
+                          <a:effectLst/>
+                          <a:latin typeface="+mn-lt"/>
+                          <a:ea typeface="+mn-ea"/>
+                          <a:cs typeface="+mn-cs"/>
+                        </a:rPr>
+                        <a:t>if (s &gt; 10) or (t &gt; A):</a:t>
+                      </a:r>
+                    </a:p>
+                    <a:p>
+                      <a:r>
+                        <a:rPr lang="en-US" sz="1800" b="0" i="0" kern="1200" dirty="0" smtClean="0">
+                          <a:solidFill>
+                            <a:schemeClr val="tx1"/>
+                          </a:solidFill>
+                          <a:effectLst/>
+                          <a:latin typeface="+mn-lt"/>
+                          <a:ea typeface="+mn-ea"/>
+                          <a:cs typeface="+mn-cs"/>
+                        </a:rPr>
+                        <a:t>    print("YES")</a:t>
+                      </a:r>
+                    </a:p>
+                    <a:p>
+                      <a:r>
+                        <a:rPr lang="en-US" sz="1800" b="0" i="0" kern="1200" dirty="0" smtClean="0">
+                          <a:solidFill>
+                            <a:schemeClr val="tx1"/>
+                          </a:solidFill>
+                          <a:effectLst/>
+                          <a:latin typeface="+mn-lt"/>
+                          <a:ea typeface="+mn-ea"/>
+                          <a:cs typeface="+mn-cs"/>
+                        </a:rPr>
+                        <a:t>else:</a:t>
+                      </a:r>
+                    </a:p>
+                    <a:p>
+                      <a:r>
+                        <a:rPr lang="en-US" sz="1800" b="0" i="0" kern="1200" dirty="0" smtClean="0">
+                          <a:solidFill>
+                            <a:schemeClr val="tx1"/>
+                          </a:solidFill>
+                          <a:effectLst/>
+                          <a:latin typeface="+mn-lt"/>
+                          <a:ea typeface="+mn-ea"/>
+                          <a:cs typeface="+mn-cs"/>
+                        </a:rPr>
+                        <a:t>    print("NO")</a:t>
+                      </a:r>
+                      <a:endParaRPr lang="en-US" sz="1800" b="0" i="0" kern="1200" dirty="0">
+                        <a:solidFill>
+                          <a:schemeClr val="tx1"/>
+                        </a:solidFill>
+                        <a:effectLst/>
+                        <a:latin typeface="+mn-lt"/>
+                        <a:ea typeface="+mn-ea"/>
+                        <a:cs typeface="+mn-cs"/>
+                      </a:endParaRPr>
+                    </a:p>
+                  </a:txBody>
+                  <a:tcPr marL="0" marR="0" marT="0" marB="0">
+                    <a:lnL w="12700" cap="flat" cmpd="sng" algn="ctr">
+                      <a:solidFill>
+                        <a:schemeClr val="tx1"/>
+                      </a:solidFill>
+                      <a:prstDash val="solid"/>
+                      <a:round/>
+                      <a:headEnd type="none" w="med" len="med"/>
+                      <a:tailEnd type="none" w="med" len="med"/>
+                    </a:lnL>
+                    <a:lnR w="12700" cap="flat" cmpd="sng" algn="ctr">
+                      <a:solidFill>
+                        <a:schemeClr val="tx1"/>
+                      </a:solidFill>
+                      <a:prstDash val="solid"/>
+                      <a:round/>
+                      <a:headEnd type="none" w="med" len="med"/>
+                      <a:tailEnd type="none" w="med" len="med"/>
+                    </a:lnR>
+                    <a:lnT w="12700" cap="flat" cmpd="sng" algn="ctr">
+                      <a:solidFill>
+                        <a:schemeClr val="tx1"/>
+                      </a:solidFill>
+                      <a:prstDash val="solid"/>
+                      <a:round/>
+                      <a:headEnd type="none" w="med" len="med"/>
+                      <a:tailEnd type="none" w="med" len="med"/>
+                    </a:lnT>
+                    <a:lnB w="12700" cap="flat" cmpd="sng" algn="ctr">
+                      <a:solidFill>
+                        <a:schemeClr val="tx1"/>
+                      </a:solidFill>
+                      <a:prstDash val="solid"/>
+                      <a:round/>
+                      <a:headEnd type="none" w="med" len="med"/>
+                      <a:tailEnd type="none" w="med" len="med"/>
+                    </a:lnB>
+                  </a:tcPr>
+                </a:tc>
+                <a:extLst>
+                  <a:ext uri="{0D108BD9-81ED-4DB2-BD59-A6C34878D82A}">
+                    <a16:rowId xmlns:a16="http://schemas.microsoft.com/office/drawing/2014/main" val="1960254178"/>
+                  </a:ext>
+                </a:extLst>
+              </a:tr>
+            </a:tbl>
+          </a:graphicData>
+        </a:graphic>
+      </p:graphicFrame>
+      <p:sp>
+        <p:nvSpPr>
+          <p:cNvPr id="7" name="Прямоугольник 6"/>
+          <p:cNvSpPr/>
+          <p:nvPr/>
+        </p:nvSpPr>
+        <p:spPr>
+          <a:xfrm>
+            <a:off x="11084004" y="8234"/>
+            <a:ext cx="870751" cy="369332"/>
+          </a:xfrm>
+          <a:prstGeom prst="rect">
+            <a:avLst/>
+          </a:prstGeom>
+        </p:spPr>
+        <p:txBody>
+          <a:bodyPr wrap="none">
+            <a:spAutoFit/>
+          </a:bodyPr>
+          <a:lstStyle/>
+          <a:p>
+            <a:r>
+              <a:rPr lang="en-US" b="1" dirty="0"/>
+              <a:t>E9F941</a:t>
+            </a:r>
+            <a:endParaRPr lang="ru-RU" dirty="0"/>
+          </a:p>
+        </p:txBody>
+      </p:sp>
+      <p:sp>
+        <p:nvSpPr>
+          <p:cNvPr id="8" name="Прямоугольник 7"/>
+          <p:cNvSpPr/>
+          <p:nvPr/>
+        </p:nvSpPr>
+        <p:spPr>
+          <a:xfrm>
+            <a:off x="184638" y="5219913"/>
+            <a:ext cx="12007362" cy="1477328"/>
+          </a:xfrm>
+          <a:prstGeom prst="rect">
+            <a:avLst/>
+          </a:prstGeom>
+        </p:spPr>
+        <p:txBody>
+          <a:bodyPr wrap="square">
+            <a:spAutoFit/>
+          </a:bodyPr>
+          <a:lstStyle/>
+          <a:p>
+            <a:r>
+              <a:rPr lang="ru-RU" dirty="0"/>
+              <a:t>Было проведено 9 запусков программы, при которых в качестве значений переменных s и t вводились следующие пары чисел</a:t>
+            </a:r>
+            <a:r>
+              <a:rPr lang="ru-RU" dirty="0" smtClean="0"/>
+              <a:t>:</a:t>
+            </a:r>
+            <a:endParaRPr lang="ru-RU" dirty="0"/>
+          </a:p>
+          <a:p>
+            <a:r>
+              <a:rPr lang="ru-RU" dirty="0"/>
+              <a:t>(1, 2); (11, 2); (1, 12); (11, 12); </a:t>
+            </a:r>
+            <a:r>
+              <a:rPr lang="ru-RU" dirty="0" smtClean="0"/>
+              <a:t>(–11</a:t>
+            </a:r>
+            <a:r>
+              <a:rPr lang="ru-RU" dirty="0"/>
+              <a:t>, </a:t>
+            </a:r>
+            <a:r>
+              <a:rPr lang="ru-RU" dirty="0" smtClean="0"/>
+              <a:t>–12</a:t>
+            </a:r>
+            <a:r>
+              <a:rPr lang="ru-RU" dirty="0"/>
+              <a:t>); </a:t>
+            </a:r>
+            <a:r>
+              <a:rPr lang="ru-RU" dirty="0" smtClean="0"/>
+              <a:t>(–11</a:t>
+            </a:r>
+            <a:r>
+              <a:rPr lang="ru-RU" dirty="0"/>
+              <a:t>, 12); </a:t>
+            </a:r>
+            <a:r>
+              <a:rPr lang="ru-RU" dirty="0" smtClean="0"/>
+              <a:t>(–12</a:t>
+            </a:r>
+            <a:r>
+              <a:rPr lang="ru-RU" dirty="0"/>
+              <a:t>, 11); (10, 10); (10, 5</a:t>
+            </a:r>
+            <a:r>
+              <a:rPr lang="ru-RU" dirty="0" smtClean="0"/>
+              <a:t>).</a:t>
+            </a:r>
+            <a:endParaRPr lang="ru-RU" dirty="0"/>
+          </a:p>
+          <a:p>
+            <a:r>
+              <a:rPr lang="ru-RU" dirty="0"/>
+              <a:t>Укажите наименьшее целое значение параметра А, при котором для указанных входных данных программа напечатает «YES» два раза.</a:t>
+            </a:r>
+          </a:p>
+        </p:txBody>
+      </p:sp>
+    </p:spTree>
+    <p:extLst>
+      <p:ext uri="{BB962C8B-B14F-4D97-AF65-F5344CB8AC3E}">
+        <p14:creationId xmlns:p14="http://schemas.microsoft.com/office/powerpoint/2010/main" val="345330574"/>
+      </p:ext>
+    </p:extLst>
+  </p:cSld>
+  <p:clrMapOvr>
+    <a:masterClrMapping/>
+  </p:clrMapOvr>
+  <p:timing>
+    <p:tnLst>
+      <p:par>
+        <p:cTn id="1" dur="indefinite" restart="never" nodeType="tmRoot"/>
+      </p:par>
+    </p:tnLst>
+  </p:timing>
+</p:sld>
+</file>
+
+<file path=ppt/slides/slide11.xml><?xml version="1.0" encoding="utf-8"?>
+<p:sld xmlns:a="http://schemas.openxmlformats.org/drawingml/2006/main" xmlns:r="http://schemas.openxmlformats.org/officeDocument/2006/relationships" xmlns:p="http://schemas.openxmlformats.org/presentationml/2006/main">
+  <p:cSld>
+    <p:spTree>
+      <p:nvGrpSpPr>
+        <p:cNvPr id="1" name=""/>
+        <p:cNvGrpSpPr/>
+        <p:nvPr/>
+      </p:nvGrpSpPr>
+      <p:grpSpPr>
+        <a:xfrm>
+          <a:off x="0" y="0"/>
+          <a:ext cx="0" cy="0"/>
+          <a:chOff x="0" y="0"/>
+          <a:chExt cx="0" cy="0"/>
+        </a:xfrm>
+      </p:grpSpPr>
+      <p:sp>
+        <p:nvSpPr>
+          <p:cNvPr id="2" name="Заголовок 1"/>
+          <p:cNvSpPr>
+            <a:spLocks noGrp="1"/>
+          </p:cNvSpPr>
+          <p:nvPr>
+            <p:ph type="title"/>
+          </p:nvPr>
+        </p:nvSpPr>
+        <p:spPr/>
+        <p:txBody>
+          <a:bodyPr/>
+          <a:lstStyle/>
+          <a:p>
+            <a:r>
+              <a:rPr lang="ru-RU" dirty="0"/>
+              <a:t>Программный способ.</a:t>
+            </a:r>
+          </a:p>
+        </p:txBody>
+      </p:sp>
+      <p:pic>
+        <p:nvPicPr>
+          <p:cNvPr id="6" name="Объект 5"/>
+          <p:cNvPicPr>
+            <a:picLocks noGrp="1" noChangeAspect="1"/>
+          </p:cNvPicPr>
+          <p:nvPr>
+            <p:ph idx="1"/>
+          </p:nvPr>
+        </p:nvPicPr>
+        <p:blipFill>
+          <a:blip r:embed="rId2"/>
+          <a:stretch>
+            <a:fillRect/>
+          </a:stretch>
+        </p:blipFill>
+        <p:spPr>
+          <a:xfrm>
+            <a:off x="838200" y="2094172"/>
+            <a:ext cx="10515600" cy="3814243"/>
+          </a:xfrm>
+          <a:prstGeom prst="rect">
+            <a:avLst/>
+          </a:prstGeom>
+        </p:spPr>
+      </p:pic>
+    </p:spTree>
+    <p:extLst>
+      <p:ext uri="{BB962C8B-B14F-4D97-AF65-F5344CB8AC3E}">
+        <p14:creationId xmlns:p14="http://schemas.microsoft.com/office/powerpoint/2010/main" val="1566046604"/>
+      </p:ext>
+    </p:extLst>
+  </p:cSld>
+  <p:clrMapOvr>
+    <a:masterClrMapping/>
+  </p:clrMapOvr>
+</p:sld>
+</file>
+
+<file path=ppt/slides/slide12.xml><?xml version="1.0" encoding="utf-8"?>
+<p:sld xmlns:a="http://schemas.openxmlformats.org/drawingml/2006/main" xmlns:r="http://schemas.openxmlformats.org/officeDocument/2006/relationships" xmlns:p="http://schemas.openxmlformats.org/presentationml/2006/main">
+  <p:cSld>
+    <p:spTree>
+      <p:nvGrpSpPr>
+        <p:cNvPr id="1" name=""/>
+        <p:cNvGrpSpPr/>
+        <p:nvPr/>
+      </p:nvGrpSpPr>
+      <p:grpSpPr>
+        <a:xfrm>
+          <a:off x="0" y="0"/>
+          <a:ext cx="0" cy="0"/>
+          <a:chOff x="0" y="0"/>
+          <a:chExt cx="0" cy="0"/>
+        </a:xfrm>
+      </p:grpSpPr>
+      <p:sp>
+        <p:nvSpPr>
+          <p:cNvPr id="2" name="Заголовок 1"/>
+          <p:cNvSpPr>
+            <a:spLocks noGrp="1"/>
+          </p:cNvSpPr>
+          <p:nvPr>
+            <p:ph type="title"/>
+          </p:nvPr>
+        </p:nvSpPr>
+        <p:spPr/>
+        <p:txBody>
+          <a:bodyPr/>
+          <a:lstStyle/>
+          <a:p>
+            <a:r>
+              <a:rPr lang="ru-RU" dirty="0"/>
+              <a:t>Ниже приведена программа, записанная на пяти языках программирования.</a:t>
+            </a:r>
+            <a:endParaRPr lang="ru-RU" dirty="0"/>
+          </a:p>
+        </p:txBody>
+      </p:sp>
+      <p:graphicFrame>
+        <p:nvGraphicFramePr>
+          <p:cNvPr id="5" name="Объект 4"/>
+          <p:cNvGraphicFramePr>
+            <a:graphicFrameLocks noGrp="1"/>
+          </p:cNvGraphicFramePr>
+          <p:nvPr>
+            <p:ph idx="1"/>
+            <p:extLst>
+              <p:ext uri="{D42A27DB-BD31-4B8C-83A1-F6EECF244321}">
+                <p14:modId xmlns:p14="http://schemas.microsoft.com/office/powerpoint/2010/main" val="725324227"/>
+              </p:ext>
+            </p:extLst>
+          </p:nvPr>
+        </p:nvGraphicFramePr>
+        <p:xfrm>
+          <a:off x="943356" y="1982581"/>
+          <a:ext cx="10305288" cy="2743200"/>
+        </p:xfrm>
+        <a:graphic>
+          <a:graphicData uri="http://schemas.openxmlformats.org/drawingml/2006/table">
+            <a:tbl>
+              <a:tblPr/>
+              <a:tblGrid>
+                <a:gridCol w="5152644">
+                  <a:extLst>
+                    <a:ext uri="{9D8B030D-6E8A-4147-A177-3AD203B41FA5}">
+                      <a16:colId xmlns:a16="http://schemas.microsoft.com/office/drawing/2014/main" val="2801880934"/>
+                    </a:ext>
+                  </a:extLst>
+                </a:gridCol>
+                <a:gridCol w="5152644">
+                  <a:extLst>
+                    <a:ext uri="{9D8B030D-6E8A-4147-A177-3AD203B41FA5}">
+                      <a16:colId xmlns:a16="http://schemas.microsoft.com/office/drawing/2014/main" val="3501760479"/>
+                    </a:ext>
+                  </a:extLst>
+                </a:gridCol>
+              </a:tblGrid>
+              <a:tr h="0">
+                <a:tc>
+                  <a:txBody>
+                    <a:bodyPr/>
+                    <a:lstStyle/>
+                    <a:p>
+                      <a:pPr algn="just"/>
+                      <a:r>
+                        <a:rPr lang="ru-RU" b="1" i="0" dirty="0">
+                          <a:effectLst/>
+                          <a:latin typeface="Times New Roman" panose="02020603050405020304" pitchFamily="18" charset="0"/>
+                        </a:rPr>
+                        <a:t/>
+                      </a:r>
+                      <a:br>
+                        <a:rPr lang="ru-RU" b="1" i="0" dirty="0">
+                          <a:effectLst/>
+                          <a:latin typeface="Times New Roman" panose="02020603050405020304" pitchFamily="18" charset="0"/>
+                        </a:rPr>
+                      </a:br>
+                      <a:r>
+                        <a:rPr lang="ru-RU" sz="1800" b="1" i="0" kern="1200" dirty="0" smtClean="0">
+                          <a:solidFill>
+                            <a:schemeClr val="tx1"/>
+                          </a:solidFill>
+                          <a:effectLst/>
+                          <a:latin typeface="+mn-lt"/>
+                          <a:ea typeface="+mn-ea"/>
+                          <a:cs typeface="+mn-cs"/>
+                        </a:rPr>
+                        <a:t>Паскаль</a:t>
+                      </a:r>
+                      <a:endParaRPr lang="ru-RU" b="0" i="0" dirty="0">
+                        <a:effectLst/>
+                        <a:latin typeface="Times New Roman" panose="02020603050405020304" pitchFamily="18" charset="0"/>
+                      </a:endParaRPr>
+                    </a:p>
+                  </a:txBody>
+                  <a:tcPr marL="0" marR="0" marT="0" marB="0" anchor="ctr">
+                    <a:lnL w="12700" cap="flat" cmpd="sng" algn="ctr">
+                      <a:solidFill>
+                        <a:schemeClr val="tx1"/>
+                      </a:solidFill>
+                      <a:prstDash val="solid"/>
+                      <a:round/>
+                      <a:headEnd type="none" w="med" len="med"/>
+                      <a:tailEnd type="none" w="med" len="med"/>
+                    </a:lnL>
+                    <a:lnR w="12700" cap="flat" cmpd="sng" algn="ctr">
+                      <a:solidFill>
+                        <a:schemeClr val="tx1"/>
+                      </a:solidFill>
+                      <a:prstDash val="solid"/>
+                      <a:round/>
+                      <a:headEnd type="none" w="med" len="med"/>
+                      <a:tailEnd type="none" w="med" len="med"/>
+                    </a:lnR>
+                    <a:lnT w="12700" cap="flat" cmpd="sng" algn="ctr">
+                      <a:solidFill>
+                        <a:schemeClr val="tx1"/>
+                      </a:solidFill>
+                      <a:prstDash val="solid"/>
+                      <a:round/>
+                      <a:headEnd type="none" w="med" len="med"/>
+                      <a:tailEnd type="none" w="med" len="med"/>
+                    </a:lnT>
+                    <a:lnB w="12700" cap="flat" cmpd="sng" algn="ctr">
+                      <a:solidFill>
+                        <a:schemeClr val="tx1"/>
+                      </a:solidFill>
+                      <a:prstDash val="solid"/>
+                      <a:round/>
+                      <a:headEnd type="none" w="med" len="med"/>
+                      <a:tailEnd type="none" w="med" len="med"/>
+                    </a:lnB>
+                  </a:tcPr>
+                </a:tc>
+                <a:tc>
+                  <a:txBody>
+                    <a:bodyPr/>
+                    <a:lstStyle/>
+                    <a:p>
+                      <a:pPr algn="just"/>
+                      <a:r>
+                        <a:rPr lang="en-US" b="1" i="0">
+                          <a:effectLst/>
+                          <a:latin typeface="Times New Roman" panose="02020603050405020304" pitchFamily="18" charset="0"/>
+                        </a:rPr>
+                        <a:t>Python</a:t>
+                      </a:r>
+                      <a:endParaRPr lang="en-US" b="0" i="0">
+                        <a:effectLst/>
+                        <a:latin typeface="Times New Roman" panose="02020603050405020304" pitchFamily="18" charset="0"/>
+                      </a:endParaRPr>
+                    </a:p>
+                  </a:txBody>
+                  <a:tcPr marL="0" marR="0" marT="0" marB="0">
+                    <a:lnL w="12700" cap="flat" cmpd="sng" algn="ctr">
+                      <a:solidFill>
+                        <a:schemeClr val="tx1"/>
+                      </a:solidFill>
+                      <a:prstDash val="solid"/>
+                      <a:round/>
+                      <a:headEnd type="none" w="med" len="med"/>
+                      <a:tailEnd type="none" w="med" len="med"/>
+                    </a:lnL>
+                    <a:lnR w="12700" cap="flat" cmpd="sng" algn="ctr">
+                      <a:solidFill>
+                        <a:schemeClr val="tx1"/>
+                      </a:solidFill>
+                      <a:prstDash val="solid"/>
+                      <a:round/>
+                      <a:headEnd type="none" w="med" len="med"/>
+                      <a:tailEnd type="none" w="med" len="med"/>
+                    </a:lnR>
+                    <a:lnT w="12700" cap="flat" cmpd="sng" algn="ctr">
+                      <a:solidFill>
+                        <a:schemeClr val="tx1"/>
+                      </a:solidFill>
+                      <a:prstDash val="solid"/>
+                      <a:round/>
+                      <a:headEnd type="none" w="med" len="med"/>
+                      <a:tailEnd type="none" w="med" len="med"/>
+                    </a:lnT>
+                    <a:lnB w="12700" cap="flat" cmpd="sng" algn="ctr">
+                      <a:solidFill>
+                        <a:schemeClr val="tx1"/>
+                      </a:solidFill>
+                      <a:prstDash val="solid"/>
+                      <a:round/>
+                      <a:headEnd type="none" w="med" len="med"/>
+                      <a:tailEnd type="none" w="med" len="med"/>
+                    </a:lnB>
+                  </a:tcPr>
+                </a:tc>
+                <a:extLst>
+                  <a:ext uri="{0D108BD9-81ED-4DB2-BD59-A6C34878D82A}">
+                    <a16:rowId xmlns:a16="http://schemas.microsoft.com/office/drawing/2014/main" val="789509954"/>
+                  </a:ext>
+                </a:extLst>
+              </a:tr>
+              <a:tr h="0">
+                <a:tc>
+                  <a:txBody>
+                    <a:bodyPr/>
+                    <a:lstStyle/>
+                    <a:p>
+                      <a:r>
+                        <a:rPr lang="en-US" sz="1800" b="0" i="0" kern="1200" dirty="0" err="1" smtClean="0">
+                          <a:solidFill>
+                            <a:schemeClr val="tx1"/>
+                          </a:solidFill>
+                          <a:effectLst/>
+                          <a:latin typeface="+mn-lt"/>
+                          <a:ea typeface="+mn-ea"/>
+                          <a:cs typeface="+mn-cs"/>
+                        </a:rPr>
+                        <a:t>var</a:t>
+                      </a:r>
+                      <a:r>
+                        <a:rPr lang="en-US" sz="1800" b="0" i="0" kern="1200" dirty="0" smtClean="0">
+                          <a:solidFill>
+                            <a:schemeClr val="tx1"/>
+                          </a:solidFill>
+                          <a:effectLst/>
+                          <a:latin typeface="+mn-lt"/>
+                          <a:ea typeface="+mn-ea"/>
+                          <a:cs typeface="+mn-cs"/>
+                        </a:rPr>
+                        <a:t> s, t: integer;</a:t>
+                      </a:r>
+                    </a:p>
+                    <a:p>
+                      <a:r>
+                        <a:rPr lang="en-US" sz="1800" b="0" i="0" kern="1200" dirty="0" smtClean="0">
+                          <a:solidFill>
+                            <a:schemeClr val="tx1"/>
+                          </a:solidFill>
+                          <a:effectLst/>
+                          <a:latin typeface="+mn-lt"/>
+                          <a:ea typeface="+mn-ea"/>
+                          <a:cs typeface="+mn-cs"/>
+                        </a:rPr>
+                        <a:t>begin</a:t>
+                      </a:r>
+                    </a:p>
+                    <a:p>
+                      <a:r>
+                        <a:rPr lang="en-US" sz="1800" b="0" i="0" kern="1200" dirty="0" smtClean="0">
+                          <a:solidFill>
+                            <a:schemeClr val="tx1"/>
+                          </a:solidFill>
+                          <a:effectLst/>
+                          <a:latin typeface="+mn-lt"/>
+                          <a:ea typeface="+mn-ea"/>
+                          <a:cs typeface="+mn-cs"/>
+                        </a:rPr>
+                        <a:t> </a:t>
+                      </a:r>
+                      <a:r>
+                        <a:rPr lang="en-US" sz="1800" b="0" i="0" kern="1200" dirty="0" err="1" smtClean="0">
+                          <a:solidFill>
+                            <a:schemeClr val="tx1"/>
+                          </a:solidFill>
+                          <a:effectLst/>
+                          <a:latin typeface="+mn-lt"/>
+                          <a:ea typeface="+mn-ea"/>
+                          <a:cs typeface="+mn-cs"/>
+                        </a:rPr>
+                        <a:t>readln</a:t>
+                      </a:r>
+                      <a:r>
+                        <a:rPr lang="en-US" sz="1800" b="0" i="0" kern="1200" dirty="0" smtClean="0">
+                          <a:solidFill>
+                            <a:schemeClr val="tx1"/>
+                          </a:solidFill>
+                          <a:effectLst/>
+                          <a:latin typeface="+mn-lt"/>
+                          <a:ea typeface="+mn-ea"/>
+                          <a:cs typeface="+mn-cs"/>
+                        </a:rPr>
+                        <a:t>(s);</a:t>
+                      </a:r>
+                    </a:p>
+                    <a:p>
+                      <a:r>
+                        <a:rPr lang="en-US" sz="1800" b="0" i="0" kern="1200" dirty="0" smtClean="0">
+                          <a:solidFill>
+                            <a:schemeClr val="tx1"/>
+                          </a:solidFill>
+                          <a:effectLst/>
+                          <a:latin typeface="+mn-lt"/>
+                          <a:ea typeface="+mn-ea"/>
+                          <a:cs typeface="+mn-cs"/>
+                        </a:rPr>
+                        <a:t> </a:t>
+                      </a:r>
+                      <a:r>
+                        <a:rPr lang="en-US" sz="1800" b="0" i="0" kern="1200" dirty="0" err="1" smtClean="0">
+                          <a:solidFill>
+                            <a:schemeClr val="tx1"/>
+                          </a:solidFill>
+                          <a:effectLst/>
+                          <a:latin typeface="+mn-lt"/>
+                          <a:ea typeface="+mn-ea"/>
+                          <a:cs typeface="+mn-cs"/>
+                        </a:rPr>
+                        <a:t>readln</a:t>
+                      </a:r>
+                      <a:r>
+                        <a:rPr lang="en-US" sz="1800" b="0" i="0" kern="1200" dirty="0" smtClean="0">
+                          <a:solidFill>
+                            <a:schemeClr val="tx1"/>
+                          </a:solidFill>
+                          <a:effectLst/>
+                          <a:latin typeface="+mn-lt"/>
+                          <a:ea typeface="+mn-ea"/>
+                          <a:cs typeface="+mn-cs"/>
+                        </a:rPr>
+                        <a:t>(t);</a:t>
+                      </a:r>
+                    </a:p>
+                    <a:p>
+                      <a:r>
+                        <a:rPr lang="en-US" sz="1800" b="0" i="0" kern="1200" dirty="0" smtClean="0">
+                          <a:solidFill>
+                            <a:schemeClr val="tx1"/>
+                          </a:solidFill>
+                          <a:effectLst/>
+                          <a:latin typeface="+mn-lt"/>
+                          <a:ea typeface="+mn-ea"/>
+                          <a:cs typeface="+mn-cs"/>
+                        </a:rPr>
+                        <a:t> if not((s &gt;= 2) and (t &lt; 5))</a:t>
+                      </a:r>
+                    </a:p>
+                    <a:p>
+                      <a:r>
+                        <a:rPr lang="en-US" sz="1800" b="0" i="0" kern="1200" dirty="0" smtClean="0">
+                          <a:solidFill>
+                            <a:schemeClr val="tx1"/>
+                          </a:solidFill>
+                          <a:effectLst/>
+                          <a:latin typeface="+mn-lt"/>
+                          <a:ea typeface="+mn-ea"/>
+                          <a:cs typeface="+mn-cs"/>
+                        </a:rPr>
+                        <a:t>  then </a:t>
+                      </a:r>
+                      <a:r>
+                        <a:rPr lang="en-US" sz="1800" b="0" i="0" kern="1200" dirty="0" err="1" smtClean="0">
+                          <a:solidFill>
+                            <a:schemeClr val="tx1"/>
+                          </a:solidFill>
+                          <a:effectLst/>
+                          <a:latin typeface="+mn-lt"/>
+                          <a:ea typeface="+mn-ea"/>
+                          <a:cs typeface="+mn-cs"/>
+                        </a:rPr>
+                        <a:t>writeln</a:t>
+                      </a:r>
+                      <a:r>
+                        <a:rPr lang="en-US" sz="1800" b="0" i="0" kern="1200" dirty="0" smtClean="0">
+                          <a:solidFill>
+                            <a:schemeClr val="tx1"/>
+                          </a:solidFill>
+                          <a:effectLst/>
+                          <a:latin typeface="+mn-lt"/>
+                          <a:ea typeface="+mn-ea"/>
+                          <a:cs typeface="+mn-cs"/>
+                        </a:rPr>
+                        <a:t>("YES")</a:t>
+                      </a:r>
+                    </a:p>
+                    <a:p>
+                      <a:r>
+                        <a:rPr lang="en-US" sz="1800" b="0" i="0" kern="1200" dirty="0" smtClean="0">
+                          <a:solidFill>
+                            <a:schemeClr val="tx1"/>
+                          </a:solidFill>
+                          <a:effectLst/>
+                          <a:latin typeface="+mn-lt"/>
+                          <a:ea typeface="+mn-ea"/>
+                          <a:cs typeface="+mn-cs"/>
+                        </a:rPr>
+                        <a:t>  else </a:t>
+                      </a:r>
+                      <a:r>
+                        <a:rPr lang="en-US" sz="1800" b="0" i="0" kern="1200" dirty="0" err="1" smtClean="0">
+                          <a:solidFill>
+                            <a:schemeClr val="tx1"/>
+                          </a:solidFill>
+                          <a:effectLst/>
+                          <a:latin typeface="+mn-lt"/>
+                          <a:ea typeface="+mn-ea"/>
+                          <a:cs typeface="+mn-cs"/>
+                        </a:rPr>
+                        <a:t>writeln</a:t>
+                      </a:r>
+                      <a:r>
+                        <a:rPr lang="en-US" sz="1800" b="0" i="0" kern="1200" dirty="0" smtClean="0">
+                          <a:solidFill>
+                            <a:schemeClr val="tx1"/>
+                          </a:solidFill>
+                          <a:effectLst/>
+                          <a:latin typeface="+mn-lt"/>
+                          <a:ea typeface="+mn-ea"/>
+                          <a:cs typeface="+mn-cs"/>
+                        </a:rPr>
+                        <a:t>("NO")</a:t>
+                      </a:r>
+                    </a:p>
+                    <a:p>
+                      <a:r>
+                        <a:rPr lang="en-US" sz="1800" b="0" i="0" kern="1200" dirty="0" smtClean="0">
+                          <a:solidFill>
+                            <a:schemeClr val="tx1"/>
+                          </a:solidFill>
+                          <a:effectLst/>
+                          <a:latin typeface="+mn-lt"/>
+                          <a:ea typeface="+mn-ea"/>
+                          <a:cs typeface="+mn-cs"/>
+                        </a:rPr>
+                        <a:t>end.</a:t>
+                      </a:r>
+                      <a:endParaRPr lang="en-US" sz="1800" b="0" i="0" kern="1200" dirty="0">
+                        <a:solidFill>
+                          <a:schemeClr val="tx1"/>
+                        </a:solidFill>
+                        <a:effectLst/>
+                        <a:latin typeface="+mn-lt"/>
+                        <a:ea typeface="+mn-ea"/>
+                        <a:cs typeface="+mn-cs"/>
+                      </a:endParaRPr>
+                    </a:p>
+                  </a:txBody>
+                  <a:tcPr marL="0" marR="0" marT="0" marB="0">
+                    <a:lnL w="12700" cap="flat" cmpd="sng" algn="ctr">
+                      <a:solidFill>
+                        <a:schemeClr val="tx1"/>
+                      </a:solidFill>
+                      <a:prstDash val="solid"/>
+                      <a:round/>
+                      <a:headEnd type="none" w="med" len="med"/>
+                      <a:tailEnd type="none" w="med" len="med"/>
+                    </a:lnL>
+                    <a:lnR w="12700" cap="flat" cmpd="sng" algn="ctr">
+                      <a:solidFill>
+                        <a:schemeClr val="tx1"/>
+                      </a:solidFill>
+                      <a:prstDash val="solid"/>
+                      <a:round/>
+                      <a:headEnd type="none" w="med" len="med"/>
+                      <a:tailEnd type="none" w="med" len="med"/>
+                    </a:lnR>
+                    <a:lnT w="12700" cap="flat" cmpd="sng" algn="ctr">
+                      <a:solidFill>
+                        <a:schemeClr val="tx1"/>
+                      </a:solidFill>
+                      <a:prstDash val="solid"/>
+                      <a:round/>
+                      <a:headEnd type="none" w="med" len="med"/>
+                      <a:tailEnd type="none" w="med" len="med"/>
+                    </a:lnT>
+                    <a:lnB w="12700" cap="flat" cmpd="sng" algn="ctr">
+                      <a:solidFill>
+                        <a:schemeClr val="tx1"/>
+                      </a:solidFill>
+                      <a:prstDash val="solid"/>
+                      <a:round/>
+                      <a:headEnd type="none" w="med" len="med"/>
+                      <a:tailEnd type="none" w="med" len="med"/>
+                    </a:lnB>
+                  </a:tcPr>
+                </a:tc>
+                <a:tc>
+                  <a:txBody>
+                    <a:bodyPr/>
+                    <a:lstStyle/>
+                    <a:p>
+                      <a:r>
+                        <a:rPr lang="en-US" sz="1800" b="0" i="0" kern="1200" dirty="0" smtClean="0">
+                          <a:solidFill>
+                            <a:schemeClr val="tx1"/>
+                          </a:solidFill>
+                          <a:effectLst/>
+                          <a:latin typeface="+mn-lt"/>
+                          <a:ea typeface="+mn-ea"/>
+                          <a:cs typeface="+mn-cs"/>
+                        </a:rPr>
+                        <a:t>s = </a:t>
+                      </a:r>
+                      <a:r>
+                        <a:rPr lang="en-US" sz="1800" b="0" i="0" kern="1200" dirty="0" err="1" smtClean="0">
+                          <a:solidFill>
+                            <a:schemeClr val="tx1"/>
+                          </a:solidFill>
+                          <a:effectLst/>
+                          <a:latin typeface="+mn-lt"/>
+                          <a:ea typeface="+mn-ea"/>
+                          <a:cs typeface="+mn-cs"/>
+                        </a:rPr>
+                        <a:t>int</a:t>
+                      </a:r>
+                      <a:r>
+                        <a:rPr lang="en-US" sz="1800" b="0" i="0" kern="1200" dirty="0" smtClean="0">
+                          <a:solidFill>
+                            <a:schemeClr val="tx1"/>
+                          </a:solidFill>
+                          <a:effectLst/>
+                          <a:latin typeface="+mn-lt"/>
+                          <a:ea typeface="+mn-ea"/>
+                          <a:cs typeface="+mn-cs"/>
+                        </a:rPr>
+                        <a:t>(input())</a:t>
+                      </a:r>
+                    </a:p>
+                    <a:p>
+                      <a:r>
+                        <a:rPr lang="en-US" sz="1800" b="0" i="0" kern="1200" dirty="0" smtClean="0">
+                          <a:solidFill>
+                            <a:schemeClr val="tx1"/>
+                          </a:solidFill>
+                          <a:effectLst/>
+                          <a:latin typeface="+mn-lt"/>
+                          <a:ea typeface="+mn-ea"/>
+                          <a:cs typeface="+mn-cs"/>
+                        </a:rPr>
+                        <a:t>t = </a:t>
+                      </a:r>
+                      <a:r>
+                        <a:rPr lang="en-US" sz="1800" b="0" i="0" kern="1200" dirty="0" err="1" smtClean="0">
+                          <a:solidFill>
+                            <a:schemeClr val="tx1"/>
+                          </a:solidFill>
+                          <a:effectLst/>
+                          <a:latin typeface="+mn-lt"/>
+                          <a:ea typeface="+mn-ea"/>
+                          <a:cs typeface="+mn-cs"/>
+                        </a:rPr>
+                        <a:t>int</a:t>
+                      </a:r>
+                      <a:r>
+                        <a:rPr lang="en-US" sz="1800" b="0" i="0" kern="1200" dirty="0" smtClean="0">
+                          <a:solidFill>
+                            <a:schemeClr val="tx1"/>
+                          </a:solidFill>
+                          <a:effectLst/>
+                          <a:latin typeface="+mn-lt"/>
+                          <a:ea typeface="+mn-ea"/>
+                          <a:cs typeface="+mn-cs"/>
+                        </a:rPr>
+                        <a:t>(input())</a:t>
+                      </a:r>
+                    </a:p>
+                    <a:p>
+                      <a:r>
+                        <a:rPr lang="en-US" sz="1800" b="0" i="0" kern="1200" dirty="0" smtClean="0">
+                          <a:solidFill>
+                            <a:schemeClr val="tx1"/>
+                          </a:solidFill>
+                          <a:effectLst/>
+                          <a:latin typeface="+mn-lt"/>
+                          <a:ea typeface="+mn-ea"/>
+                          <a:cs typeface="+mn-cs"/>
+                        </a:rPr>
+                        <a:t>if not ((s &gt;= 2) and (t &lt; 5)):</a:t>
+                      </a:r>
+                    </a:p>
+                    <a:p>
+                      <a:r>
+                        <a:rPr lang="en-US" sz="1800" b="0" i="0" kern="1200" dirty="0" smtClean="0">
+                          <a:solidFill>
+                            <a:schemeClr val="tx1"/>
+                          </a:solidFill>
+                          <a:effectLst/>
+                          <a:latin typeface="+mn-lt"/>
+                          <a:ea typeface="+mn-ea"/>
+                          <a:cs typeface="+mn-cs"/>
+                        </a:rPr>
+                        <a:t>    print("YES")</a:t>
+                      </a:r>
+                    </a:p>
+                    <a:p>
+                      <a:r>
+                        <a:rPr lang="en-US" sz="1800" b="0" i="0" kern="1200" dirty="0" smtClean="0">
+                          <a:solidFill>
+                            <a:schemeClr val="tx1"/>
+                          </a:solidFill>
+                          <a:effectLst/>
+                          <a:latin typeface="+mn-lt"/>
+                          <a:ea typeface="+mn-ea"/>
+                          <a:cs typeface="+mn-cs"/>
+                        </a:rPr>
+                        <a:t>else:</a:t>
+                      </a:r>
+                    </a:p>
+                    <a:p>
+                      <a:r>
+                        <a:rPr lang="en-US" sz="1800" b="0" i="0" kern="1200" dirty="0" smtClean="0">
+                          <a:solidFill>
+                            <a:schemeClr val="tx1"/>
+                          </a:solidFill>
+                          <a:effectLst/>
+                          <a:latin typeface="+mn-lt"/>
+                          <a:ea typeface="+mn-ea"/>
+                          <a:cs typeface="+mn-cs"/>
+                        </a:rPr>
+                        <a:t>    print("NO")</a:t>
+                      </a:r>
+                      <a:endParaRPr lang="en-US" sz="1800" b="0" i="0" kern="1200" dirty="0">
+                        <a:solidFill>
+                          <a:schemeClr val="tx1"/>
+                        </a:solidFill>
+                        <a:effectLst/>
+                        <a:latin typeface="+mn-lt"/>
+                        <a:ea typeface="+mn-ea"/>
+                        <a:cs typeface="+mn-cs"/>
+                      </a:endParaRPr>
+                    </a:p>
+                  </a:txBody>
+                  <a:tcPr marL="0" marR="0" marT="0" marB="0">
+                    <a:lnL w="12700" cap="flat" cmpd="sng" algn="ctr">
+                      <a:solidFill>
+                        <a:schemeClr val="tx1"/>
+                      </a:solidFill>
+                      <a:prstDash val="solid"/>
+                      <a:round/>
+                      <a:headEnd type="none" w="med" len="med"/>
+                      <a:tailEnd type="none" w="med" len="med"/>
+                    </a:lnL>
+                    <a:lnR w="12700" cap="flat" cmpd="sng" algn="ctr">
+                      <a:solidFill>
+                        <a:schemeClr val="tx1"/>
+                      </a:solidFill>
+                      <a:prstDash val="solid"/>
+                      <a:round/>
+                      <a:headEnd type="none" w="med" len="med"/>
+                      <a:tailEnd type="none" w="med" len="med"/>
+                    </a:lnR>
+                    <a:lnT w="12700" cap="flat" cmpd="sng" algn="ctr">
+                      <a:solidFill>
+                        <a:schemeClr val="tx1"/>
+                      </a:solidFill>
+                      <a:prstDash val="solid"/>
+                      <a:round/>
+                      <a:headEnd type="none" w="med" len="med"/>
+                      <a:tailEnd type="none" w="med" len="med"/>
+                    </a:lnT>
+                    <a:lnB w="12700" cap="flat" cmpd="sng" algn="ctr">
+                      <a:solidFill>
+                        <a:schemeClr val="tx1"/>
+                      </a:solidFill>
+                      <a:prstDash val="solid"/>
+                      <a:round/>
+                      <a:headEnd type="none" w="med" len="med"/>
+                      <a:tailEnd type="none" w="med" len="med"/>
+                    </a:lnB>
+                  </a:tcPr>
+                </a:tc>
+                <a:extLst>
+                  <a:ext uri="{0D108BD9-81ED-4DB2-BD59-A6C34878D82A}">
+                    <a16:rowId xmlns:a16="http://schemas.microsoft.com/office/drawing/2014/main" val="1960254178"/>
+                  </a:ext>
+                </a:extLst>
+              </a:tr>
+            </a:tbl>
+          </a:graphicData>
+        </a:graphic>
+      </p:graphicFrame>
+      <p:sp>
+        <p:nvSpPr>
+          <p:cNvPr id="7" name="Прямоугольник 6"/>
+          <p:cNvSpPr/>
+          <p:nvPr/>
+        </p:nvSpPr>
+        <p:spPr>
+          <a:xfrm>
+            <a:off x="11084004" y="8234"/>
+            <a:ext cx="883575" cy="369332"/>
+          </a:xfrm>
+          <a:prstGeom prst="rect">
+            <a:avLst/>
+          </a:prstGeom>
+        </p:spPr>
+        <p:txBody>
+          <a:bodyPr wrap="none">
+            <a:spAutoFit/>
+          </a:bodyPr>
+          <a:lstStyle/>
+          <a:p>
+            <a:r>
+              <a:rPr lang="en-US" b="1" dirty="0"/>
+              <a:t>BE18F8</a:t>
+            </a:r>
+            <a:endParaRPr lang="ru-RU" dirty="0"/>
+          </a:p>
+        </p:txBody>
+      </p:sp>
+      <p:sp>
+        <p:nvSpPr>
+          <p:cNvPr id="8" name="Прямоугольник 7"/>
+          <p:cNvSpPr/>
+          <p:nvPr/>
+        </p:nvSpPr>
+        <p:spPr>
+          <a:xfrm>
+            <a:off x="184638" y="5219913"/>
+            <a:ext cx="12007362" cy="1200329"/>
+          </a:xfrm>
+          <a:prstGeom prst="rect">
+            <a:avLst/>
+          </a:prstGeom>
+        </p:spPr>
+        <p:txBody>
+          <a:bodyPr wrap="square">
+            <a:spAutoFit/>
+          </a:bodyPr>
+          <a:lstStyle/>
+          <a:p>
+            <a:r>
+              <a:rPr lang="ru-RU" dirty="0"/>
+              <a:t>Было проведено 9 запусков программы, при которых в качестве значений переменных s и t вводились следующие пары чисел:</a:t>
+            </a:r>
+          </a:p>
+          <a:p>
+            <a:r>
+              <a:rPr lang="ru-RU" dirty="0"/>
+              <a:t>(12, 5); (5, 3); (–4, 1); (2, –5); (5, –7); (10, 3); (18, 6); (3, 0); (2, 5).</a:t>
+            </a:r>
+          </a:p>
+          <a:p>
+            <a:r>
+              <a:rPr lang="ru-RU" dirty="0"/>
+              <a:t>Сколько было запусков, при которых программа напечатала «YES»?</a:t>
+            </a:r>
+          </a:p>
+        </p:txBody>
+      </p:sp>
+    </p:spTree>
+    <p:extLst>
+      <p:ext uri="{BB962C8B-B14F-4D97-AF65-F5344CB8AC3E}">
+        <p14:creationId xmlns:p14="http://schemas.microsoft.com/office/powerpoint/2010/main" val="2903903581"/>
+      </p:ext>
+    </p:extLst>
+  </p:cSld>
+  <p:clrMapOvr>
+    <a:masterClrMapping/>
+  </p:clrMapOvr>
+  <p:timing>
+    <p:tnLst>
+      <p:par>
+        <p:cTn id="1" dur="indefinite" restart="never" nodeType="tmRoot"/>
+      </p:par>
+    </p:tnLst>
+  </p:timing>
+</p:sld>
+</file>
+
+<file path=ppt/slides/slide13.xml><?xml version="1.0" encoding="utf-8"?>
+<p:sld xmlns:a="http://schemas.openxmlformats.org/drawingml/2006/main" xmlns:r="http://schemas.openxmlformats.org/officeDocument/2006/relationships" xmlns:p="http://schemas.openxmlformats.org/presentationml/2006/main">
+  <p:cSld>
+    <p:spTree>
+      <p:nvGrpSpPr>
+        <p:cNvPr id="1" name=""/>
+        <p:cNvGrpSpPr/>
+        <p:nvPr/>
+      </p:nvGrpSpPr>
+      <p:grpSpPr>
+        <a:xfrm>
+          <a:off x="0" y="0"/>
+          <a:ext cx="0" cy="0"/>
+          <a:chOff x="0" y="0"/>
+          <a:chExt cx="0" cy="0"/>
+        </a:xfrm>
+      </p:grpSpPr>
+      <p:sp>
+        <p:nvSpPr>
+          <p:cNvPr id="2" name="Заголовок 1"/>
+          <p:cNvSpPr>
+            <a:spLocks noGrp="1"/>
+          </p:cNvSpPr>
+          <p:nvPr>
+            <p:ph type="title"/>
+          </p:nvPr>
+        </p:nvSpPr>
+        <p:spPr/>
+        <p:txBody>
+          <a:bodyPr/>
+          <a:lstStyle/>
+          <a:p>
+            <a:r>
+              <a:rPr lang="ru-RU" dirty="0"/>
+              <a:t>Программный способ.</a:t>
+            </a:r>
+          </a:p>
+        </p:txBody>
+      </p:sp>
+      <p:pic>
+        <p:nvPicPr>
+          <p:cNvPr id="7" name="Объект 6"/>
+          <p:cNvPicPr>
+            <a:picLocks noGrp="1" noChangeAspect="1"/>
+          </p:cNvPicPr>
+          <p:nvPr>
+            <p:ph idx="1"/>
+          </p:nvPr>
+        </p:nvPicPr>
+        <p:blipFill>
+          <a:blip r:embed="rId2"/>
+          <a:stretch>
+            <a:fillRect/>
+          </a:stretch>
+        </p:blipFill>
+        <p:spPr>
+          <a:xfrm>
+            <a:off x="838200" y="2504775"/>
+            <a:ext cx="10515600" cy="2993038"/>
+          </a:xfrm>
+          <a:prstGeom prst="rect">
+            <a:avLst/>
+          </a:prstGeom>
+        </p:spPr>
+      </p:pic>
+    </p:spTree>
+    <p:extLst>
+      <p:ext uri="{BB962C8B-B14F-4D97-AF65-F5344CB8AC3E}">
+        <p14:creationId xmlns:p14="http://schemas.microsoft.com/office/powerpoint/2010/main" val="2142876587"/>
+      </p:ext>
+    </p:extLst>
+  </p:cSld>
+  <p:clrMapOvr>
+    <a:masterClrMapping/>
+  </p:clrMapOvr>
+</p:sld>
+</file>
+
+<file path=ppt/slides/slide14.xml><?xml version="1.0" encoding="utf-8"?>
+<p:sld xmlns:a="http://schemas.openxmlformats.org/drawingml/2006/main" xmlns:r="http://schemas.openxmlformats.org/officeDocument/2006/relationships" xmlns:p="http://schemas.openxmlformats.org/presentationml/2006/main">
+  <p:cSld>
+    <p:spTree>
+      <p:nvGrpSpPr>
+        <p:cNvPr id="1" name=""/>
+        <p:cNvGrpSpPr/>
+        <p:nvPr/>
+      </p:nvGrpSpPr>
+      <p:grpSpPr>
+        <a:xfrm>
+          <a:off x="0" y="0"/>
+          <a:ext cx="0" cy="0"/>
+          <a:chOff x="0" y="0"/>
+          <a:chExt cx="0" cy="0"/>
+        </a:xfrm>
+      </p:grpSpPr>
+      <p:sp>
+        <p:nvSpPr>
+          <p:cNvPr id="2" name="Заголовок 1"/>
+          <p:cNvSpPr>
+            <a:spLocks noGrp="1"/>
+          </p:cNvSpPr>
+          <p:nvPr>
+            <p:ph type="title"/>
+          </p:nvPr>
+        </p:nvSpPr>
+        <p:spPr/>
+        <p:txBody>
+          <a:bodyPr/>
+          <a:lstStyle/>
+          <a:p>
+            <a:r>
+              <a:rPr lang="ru-RU" dirty="0"/>
+              <a:t>Ниже приведена программа, записанная на пяти языках программирования.</a:t>
+            </a:r>
+            <a:endParaRPr lang="ru-RU" dirty="0"/>
+          </a:p>
+        </p:txBody>
+      </p:sp>
+      <p:graphicFrame>
+        <p:nvGraphicFramePr>
+          <p:cNvPr id="5" name="Объект 4"/>
+          <p:cNvGraphicFramePr>
+            <a:graphicFrameLocks noGrp="1"/>
+          </p:cNvGraphicFramePr>
+          <p:nvPr>
+            <p:ph idx="1"/>
+            <p:extLst>
+              <p:ext uri="{D42A27DB-BD31-4B8C-83A1-F6EECF244321}">
+                <p14:modId xmlns:p14="http://schemas.microsoft.com/office/powerpoint/2010/main" val="3503061733"/>
+              </p:ext>
+            </p:extLst>
+          </p:nvPr>
+        </p:nvGraphicFramePr>
+        <p:xfrm>
+          <a:off x="943356" y="1982581"/>
+          <a:ext cx="10305288" cy="2743200"/>
+        </p:xfrm>
+        <a:graphic>
+          <a:graphicData uri="http://schemas.openxmlformats.org/drawingml/2006/table">
+            <a:tbl>
+              <a:tblPr/>
+              <a:tblGrid>
+                <a:gridCol w="5152644">
+                  <a:extLst>
+                    <a:ext uri="{9D8B030D-6E8A-4147-A177-3AD203B41FA5}">
+                      <a16:colId xmlns:a16="http://schemas.microsoft.com/office/drawing/2014/main" val="2801880934"/>
+                    </a:ext>
+                  </a:extLst>
+                </a:gridCol>
+                <a:gridCol w="5152644">
+                  <a:extLst>
+                    <a:ext uri="{9D8B030D-6E8A-4147-A177-3AD203B41FA5}">
+                      <a16:colId xmlns:a16="http://schemas.microsoft.com/office/drawing/2014/main" val="3501760479"/>
+                    </a:ext>
+                  </a:extLst>
+                </a:gridCol>
+              </a:tblGrid>
+              <a:tr h="0">
+                <a:tc>
+                  <a:txBody>
+                    <a:bodyPr/>
+                    <a:lstStyle/>
+                    <a:p>
+                      <a:pPr algn="just"/>
+                      <a:r>
+                        <a:rPr lang="ru-RU" b="1" i="0" dirty="0">
+                          <a:effectLst/>
+                          <a:latin typeface="Times New Roman" panose="02020603050405020304" pitchFamily="18" charset="0"/>
+                        </a:rPr>
+                        <a:t/>
+                      </a:r>
+                      <a:br>
+                        <a:rPr lang="ru-RU" b="1" i="0" dirty="0">
+                          <a:effectLst/>
+                          <a:latin typeface="Times New Roman" panose="02020603050405020304" pitchFamily="18" charset="0"/>
+                        </a:rPr>
+                      </a:br>
+                      <a:r>
+                        <a:rPr lang="ru-RU" sz="1800" b="1" i="0" kern="1200" dirty="0" smtClean="0">
+                          <a:solidFill>
+                            <a:schemeClr val="tx1"/>
+                          </a:solidFill>
+                          <a:effectLst/>
+                          <a:latin typeface="+mn-lt"/>
+                          <a:ea typeface="+mn-ea"/>
+                          <a:cs typeface="+mn-cs"/>
+                        </a:rPr>
+                        <a:t>Паскаль</a:t>
+                      </a:r>
+                      <a:endParaRPr lang="ru-RU" b="0" i="0" dirty="0">
+                        <a:effectLst/>
+                        <a:latin typeface="Times New Roman" panose="02020603050405020304" pitchFamily="18" charset="0"/>
+                      </a:endParaRPr>
+                    </a:p>
+                  </a:txBody>
+                  <a:tcPr marL="0" marR="0" marT="0" marB="0" anchor="ctr">
+                    <a:lnL w="12700" cap="flat" cmpd="sng" algn="ctr">
+                      <a:solidFill>
+                        <a:schemeClr val="tx1"/>
+                      </a:solidFill>
+                      <a:prstDash val="solid"/>
+                      <a:round/>
+                      <a:headEnd type="none" w="med" len="med"/>
+                      <a:tailEnd type="none" w="med" len="med"/>
+                    </a:lnL>
+                    <a:lnR w="12700" cap="flat" cmpd="sng" algn="ctr">
+                      <a:solidFill>
+                        <a:schemeClr val="tx1"/>
+                      </a:solidFill>
+                      <a:prstDash val="solid"/>
+                      <a:round/>
+                      <a:headEnd type="none" w="med" len="med"/>
+                      <a:tailEnd type="none" w="med" len="med"/>
+                    </a:lnR>
+                    <a:lnT w="12700" cap="flat" cmpd="sng" algn="ctr">
+                      <a:solidFill>
+                        <a:schemeClr val="tx1"/>
+                      </a:solidFill>
+                      <a:prstDash val="solid"/>
+                      <a:round/>
+                      <a:headEnd type="none" w="med" len="med"/>
+                      <a:tailEnd type="none" w="med" len="med"/>
+                    </a:lnT>
+                    <a:lnB w="12700" cap="flat" cmpd="sng" algn="ctr">
+                      <a:solidFill>
+                        <a:schemeClr val="tx1"/>
+                      </a:solidFill>
+                      <a:prstDash val="solid"/>
+                      <a:round/>
+                      <a:headEnd type="none" w="med" len="med"/>
+                      <a:tailEnd type="none" w="med" len="med"/>
+                    </a:lnB>
+                  </a:tcPr>
+                </a:tc>
+                <a:tc>
+                  <a:txBody>
+                    <a:bodyPr/>
+                    <a:lstStyle/>
+                    <a:p>
+                      <a:pPr algn="just"/>
+                      <a:r>
+                        <a:rPr lang="en-US" b="1" i="0">
+                          <a:effectLst/>
+                          <a:latin typeface="Times New Roman" panose="02020603050405020304" pitchFamily="18" charset="0"/>
+                        </a:rPr>
+                        <a:t>Python</a:t>
+                      </a:r>
+                      <a:endParaRPr lang="en-US" b="0" i="0">
+                        <a:effectLst/>
+                        <a:latin typeface="Times New Roman" panose="02020603050405020304" pitchFamily="18" charset="0"/>
+                      </a:endParaRPr>
+                    </a:p>
+                  </a:txBody>
+                  <a:tcPr marL="0" marR="0" marT="0" marB="0">
+                    <a:lnL w="12700" cap="flat" cmpd="sng" algn="ctr">
+                      <a:solidFill>
+                        <a:schemeClr val="tx1"/>
+                      </a:solidFill>
+                      <a:prstDash val="solid"/>
+                      <a:round/>
+                      <a:headEnd type="none" w="med" len="med"/>
+                      <a:tailEnd type="none" w="med" len="med"/>
+                    </a:lnL>
+                    <a:lnR w="12700" cap="flat" cmpd="sng" algn="ctr">
+                      <a:solidFill>
+                        <a:schemeClr val="tx1"/>
+                      </a:solidFill>
+                      <a:prstDash val="solid"/>
+                      <a:round/>
+                      <a:headEnd type="none" w="med" len="med"/>
+                      <a:tailEnd type="none" w="med" len="med"/>
+                    </a:lnR>
+                    <a:lnT w="12700" cap="flat" cmpd="sng" algn="ctr">
+                      <a:solidFill>
+                        <a:schemeClr val="tx1"/>
+                      </a:solidFill>
+                      <a:prstDash val="solid"/>
+                      <a:round/>
+                      <a:headEnd type="none" w="med" len="med"/>
+                      <a:tailEnd type="none" w="med" len="med"/>
+                    </a:lnT>
+                    <a:lnB w="12700" cap="flat" cmpd="sng" algn="ctr">
+                      <a:solidFill>
+                        <a:schemeClr val="tx1"/>
+                      </a:solidFill>
+                      <a:prstDash val="solid"/>
+                      <a:round/>
+                      <a:headEnd type="none" w="med" len="med"/>
+                      <a:tailEnd type="none" w="med" len="med"/>
+                    </a:lnB>
+                  </a:tcPr>
+                </a:tc>
+                <a:extLst>
+                  <a:ext uri="{0D108BD9-81ED-4DB2-BD59-A6C34878D82A}">
+                    <a16:rowId xmlns:a16="http://schemas.microsoft.com/office/drawing/2014/main" val="789509954"/>
+                  </a:ext>
+                </a:extLst>
+              </a:tr>
+              <a:tr h="0">
+                <a:tc>
+                  <a:txBody>
+                    <a:bodyPr/>
+                    <a:lstStyle/>
+                    <a:p>
+                      <a:r>
+                        <a:rPr lang="en-US" sz="1800" b="0" i="0" kern="1200" dirty="0" err="1" smtClean="0">
+                          <a:solidFill>
+                            <a:schemeClr val="tx1"/>
+                          </a:solidFill>
+                          <a:effectLst/>
+                          <a:latin typeface="+mn-lt"/>
+                          <a:ea typeface="+mn-ea"/>
+                          <a:cs typeface="+mn-cs"/>
+                        </a:rPr>
+                        <a:t>var</a:t>
+                      </a:r>
+                      <a:r>
+                        <a:rPr lang="en-US" sz="1800" b="0" i="0" kern="1200" dirty="0" smtClean="0">
+                          <a:solidFill>
+                            <a:schemeClr val="tx1"/>
+                          </a:solidFill>
+                          <a:effectLst/>
+                          <a:latin typeface="+mn-lt"/>
+                          <a:ea typeface="+mn-ea"/>
+                          <a:cs typeface="+mn-cs"/>
+                        </a:rPr>
+                        <a:t> s, t: integer;</a:t>
+                      </a:r>
+                    </a:p>
+                    <a:p>
+                      <a:r>
+                        <a:rPr lang="en-US" sz="1800" b="0" i="0" kern="1200" dirty="0" smtClean="0">
+                          <a:solidFill>
+                            <a:schemeClr val="tx1"/>
+                          </a:solidFill>
+                          <a:effectLst/>
+                          <a:latin typeface="+mn-lt"/>
+                          <a:ea typeface="+mn-ea"/>
+                          <a:cs typeface="+mn-cs"/>
+                        </a:rPr>
+                        <a:t>begin</a:t>
+                      </a:r>
+                    </a:p>
+                    <a:p>
+                      <a:r>
+                        <a:rPr lang="en-US" sz="1800" b="0" i="0" kern="1200" dirty="0" smtClean="0">
+                          <a:solidFill>
+                            <a:schemeClr val="tx1"/>
+                          </a:solidFill>
+                          <a:effectLst/>
+                          <a:latin typeface="+mn-lt"/>
+                          <a:ea typeface="+mn-ea"/>
+                          <a:cs typeface="+mn-cs"/>
+                        </a:rPr>
+                        <a:t> </a:t>
+                      </a:r>
+                      <a:r>
+                        <a:rPr lang="en-US" sz="1800" b="0" i="0" kern="1200" dirty="0" err="1" smtClean="0">
+                          <a:solidFill>
+                            <a:schemeClr val="tx1"/>
+                          </a:solidFill>
+                          <a:effectLst/>
+                          <a:latin typeface="+mn-lt"/>
+                          <a:ea typeface="+mn-ea"/>
+                          <a:cs typeface="+mn-cs"/>
+                        </a:rPr>
+                        <a:t>readln</a:t>
+                      </a:r>
+                      <a:r>
+                        <a:rPr lang="en-US" sz="1800" b="0" i="0" kern="1200" dirty="0" smtClean="0">
+                          <a:solidFill>
+                            <a:schemeClr val="tx1"/>
+                          </a:solidFill>
+                          <a:effectLst/>
+                          <a:latin typeface="+mn-lt"/>
+                          <a:ea typeface="+mn-ea"/>
+                          <a:cs typeface="+mn-cs"/>
+                        </a:rPr>
+                        <a:t>(s);</a:t>
+                      </a:r>
+                    </a:p>
+                    <a:p>
+                      <a:r>
+                        <a:rPr lang="en-US" sz="1800" b="0" i="0" kern="1200" dirty="0" smtClean="0">
+                          <a:solidFill>
+                            <a:schemeClr val="tx1"/>
+                          </a:solidFill>
+                          <a:effectLst/>
+                          <a:latin typeface="+mn-lt"/>
+                          <a:ea typeface="+mn-ea"/>
+                          <a:cs typeface="+mn-cs"/>
+                        </a:rPr>
+                        <a:t> </a:t>
+                      </a:r>
+                      <a:r>
+                        <a:rPr lang="en-US" sz="1800" b="0" i="0" kern="1200" dirty="0" err="1" smtClean="0">
+                          <a:solidFill>
+                            <a:schemeClr val="tx1"/>
+                          </a:solidFill>
+                          <a:effectLst/>
+                          <a:latin typeface="+mn-lt"/>
+                          <a:ea typeface="+mn-ea"/>
+                          <a:cs typeface="+mn-cs"/>
+                        </a:rPr>
+                        <a:t>readln</a:t>
+                      </a:r>
+                      <a:r>
+                        <a:rPr lang="en-US" sz="1800" b="0" i="0" kern="1200" dirty="0" smtClean="0">
+                          <a:solidFill>
+                            <a:schemeClr val="tx1"/>
+                          </a:solidFill>
+                          <a:effectLst/>
+                          <a:latin typeface="+mn-lt"/>
+                          <a:ea typeface="+mn-ea"/>
+                          <a:cs typeface="+mn-cs"/>
+                        </a:rPr>
+                        <a:t>(t);</a:t>
+                      </a:r>
+                    </a:p>
+                    <a:p>
+                      <a:r>
+                        <a:rPr lang="en-US" sz="1800" b="0" i="0" kern="1200" dirty="0" smtClean="0">
+                          <a:solidFill>
+                            <a:schemeClr val="tx1"/>
+                          </a:solidFill>
+                          <a:effectLst/>
+                          <a:latin typeface="+mn-lt"/>
+                          <a:ea typeface="+mn-ea"/>
+                          <a:cs typeface="+mn-cs"/>
+                        </a:rPr>
+                        <a:t> if (s &lt; 5) and not (t &gt; 3)</a:t>
+                      </a:r>
+                    </a:p>
+                    <a:p>
+                      <a:r>
+                        <a:rPr lang="en-US" sz="1800" b="0" i="0" kern="1200" dirty="0" smtClean="0">
+                          <a:solidFill>
+                            <a:schemeClr val="tx1"/>
+                          </a:solidFill>
+                          <a:effectLst/>
+                          <a:latin typeface="+mn-lt"/>
+                          <a:ea typeface="+mn-ea"/>
+                          <a:cs typeface="+mn-cs"/>
+                        </a:rPr>
+                        <a:t>  then </a:t>
+                      </a:r>
+                      <a:r>
+                        <a:rPr lang="en-US" sz="1800" b="0" i="0" kern="1200" dirty="0" err="1" smtClean="0">
+                          <a:solidFill>
+                            <a:schemeClr val="tx1"/>
+                          </a:solidFill>
+                          <a:effectLst/>
+                          <a:latin typeface="+mn-lt"/>
+                          <a:ea typeface="+mn-ea"/>
+                          <a:cs typeface="+mn-cs"/>
+                        </a:rPr>
+                        <a:t>writeln</a:t>
+                      </a:r>
+                      <a:r>
+                        <a:rPr lang="en-US" sz="1800" b="0" i="0" kern="1200" dirty="0" smtClean="0">
+                          <a:solidFill>
+                            <a:schemeClr val="tx1"/>
+                          </a:solidFill>
+                          <a:effectLst/>
+                          <a:latin typeface="+mn-lt"/>
+                          <a:ea typeface="+mn-ea"/>
+                          <a:cs typeface="+mn-cs"/>
+                        </a:rPr>
+                        <a:t>("YES")</a:t>
+                      </a:r>
+                    </a:p>
+                    <a:p>
+                      <a:r>
+                        <a:rPr lang="en-US" sz="1800" b="0" i="0" kern="1200" dirty="0" smtClean="0">
+                          <a:solidFill>
+                            <a:schemeClr val="tx1"/>
+                          </a:solidFill>
+                          <a:effectLst/>
+                          <a:latin typeface="+mn-lt"/>
+                          <a:ea typeface="+mn-ea"/>
+                          <a:cs typeface="+mn-cs"/>
+                        </a:rPr>
+                        <a:t>  else </a:t>
+                      </a:r>
+                      <a:r>
+                        <a:rPr lang="en-US" sz="1800" b="0" i="0" kern="1200" dirty="0" err="1" smtClean="0">
+                          <a:solidFill>
+                            <a:schemeClr val="tx1"/>
+                          </a:solidFill>
+                          <a:effectLst/>
+                          <a:latin typeface="+mn-lt"/>
+                          <a:ea typeface="+mn-ea"/>
+                          <a:cs typeface="+mn-cs"/>
+                        </a:rPr>
+                        <a:t>writeln</a:t>
+                      </a:r>
+                      <a:r>
+                        <a:rPr lang="en-US" sz="1800" b="0" i="0" kern="1200" dirty="0" smtClean="0">
+                          <a:solidFill>
+                            <a:schemeClr val="tx1"/>
+                          </a:solidFill>
+                          <a:effectLst/>
+                          <a:latin typeface="+mn-lt"/>
+                          <a:ea typeface="+mn-ea"/>
+                          <a:cs typeface="+mn-cs"/>
+                        </a:rPr>
+                        <a:t>("NO")</a:t>
+                      </a:r>
+                    </a:p>
+                    <a:p>
+                      <a:r>
+                        <a:rPr lang="en-US" sz="1800" b="0" i="0" kern="1200" dirty="0" smtClean="0">
+                          <a:solidFill>
+                            <a:schemeClr val="tx1"/>
+                          </a:solidFill>
+                          <a:effectLst/>
+                          <a:latin typeface="+mn-lt"/>
+                          <a:ea typeface="+mn-ea"/>
+                          <a:cs typeface="+mn-cs"/>
+                        </a:rPr>
+                        <a:t>end.</a:t>
+                      </a:r>
+                      <a:endParaRPr lang="en-US" sz="1800" b="0" i="0" kern="1200" dirty="0">
+                        <a:solidFill>
+                          <a:schemeClr val="tx1"/>
+                        </a:solidFill>
+                        <a:effectLst/>
+                        <a:latin typeface="+mn-lt"/>
+                        <a:ea typeface="+mn-ea"/>
+                        <a:cs typeface="+mn-cs"/>
+                      </a:endParaRPr>
+                    </a:p>
+                  </a:txBody>
+                  <a:tcPr marL="0" marR="0" marT="0" marB="0">
+                    <a:lnL w="12700" cap="flat" cmpd="sng" algn="ctr">
+                      <a:solidFill>
+                        <a:schemeClr val="tx1"/>
+                      </a:solidFill>
+                      <a:prstDash val="solid"/>
+                      <a:round/>
+                      <a:headEnd type="none" w="med" len="med"/>
+                      <a:tailEnd type="none" w="med" len="med"/>
+                    </a:lnL>
+                    <a:lnR w="12700" cap="flat" cmpd="sng" algn="ctr">
+                      <a:solidFill>
+                        <a:schemeClr val="tx1"/>
+                      </a:solidFill>
+                      <a:prstDash val="solid"/>
+                      <a:round/>
+                      <a:headEnd type="none" w="med" len="med"/>
+                      <a:tailEnd type="none" w="med" len="med"/>
+                    </a:lnR>
+                    <a:lnT w="12700" cap="flat" cmpd="sng" algn="ctr">
+                      <a:solidFill>
+                        <a:schemeClr val="tx1"/>
+                      </a:solidFill>
+                      <a:prstDash val="solid"/>
+                      <a:round/>
+                      <a:headEnd type="none" w="med" len="med"/>
+                      <a:tailEnd type="none" w="med" len="med"/>
+                    </a:lnT>
+                    <a:lnB w="12700" cap="flat" cmpd="sng" algn="ctr">
+                      <a:solidFill>
+                        <a:schemeClr val="tx1"/>
+                      </a:solidFill>
+                      <a:prstDash val="solid"/>
+                      <a:round/>
+                      <a:headEnd type="none" w="med" len="med"/>
+                      <a:tailEnd type="none" w="med" len="med"/>
+                    </a:lnB>
+                  </a:tcPr>
+                </a:tc>
+                <a:tc>
+                  <a:txBody>
+                    <a:bodyPr/>
+                    <a:lstStyle/>
+                    <a:p>
+                      <a:r>
+                        <a:rPr lang="en-US" sz="1800" b="0" i="0" kern="1200" dirty="0" smtClean="0">
+                          <a:solidFill>
+                            <a:schemeClr val="tx1"/>
+                          </a:solidFill>
+                          <a:effectLst/>
+                          <a:latin typeface="+mn-lt"/>
+                          <a:ea typeface="+mn-ea"/>
+                          <a:cs typeface="+mn-cs"/>
+                        </a:rPr>
+                        <a:t>s = </a:t>
+                      </a:r>
+                      <a:r>
+                        <a:rPr lang="en-US" sz="1800" b="0" i="0" kern="1200" dirty="0" err="1" smtClean="0">
+                          <a:solidFill>
+                            <a:schemeClr val="tx1"/>
+                          </a:solidFill>
+                          <a:effectLst/>
+                          <a:latin typeface="+mn-lt"/>
+                          <a:ea typeface="+mn-ea"/>
+                          <a:cs typeface="+mn-cs"/>
+                        </a:rPr>
+                        <a:t>int</a:t>
+                      </a:r>
+                      <a:r>
+                        <a:rPr lang="en-US" sz="1800" b="0" i="0" kern="1200" dirty="0" smtClean="0">
+                          <a:solidFill>
+                            <a:schemeClr val="tx1"/>
+                          </a:solidFill>
+                          <a:effectLst/>
+                          <a:latin typeface="+mn-lt"/>
+                          <a:ea typeface="+mn-ea"/>
+                          <a:cs typeface="+mn-cs"/>
+                        </a:rPr>
+                        <a:t>(input())</a:t>
+                      </a:r>
+                    </a:p>
+                    <a:p>
+                      <a:r>
+                        <a:rPr lang="en-US" sz="1800" b="0" i="0" kern="1200" dirty="0" smtClean="0">
+                          <a:solidFill>
+                            <a:schemeClr val="tx1"/>
+                          </a:solidFill>
+                          <a:effectLst/>
+                          <a:latin typeface="+mn-lt"/>
+                          <a:ea typeface="+mn-ea"/>
+                          <a:cs typeface="+mn-cs"/>
+                        </a:rPr>
+                        <a:t>t = </a:t>
+                      </a:r>
+                      <a:r>
+                        <a:rPr lang="en-US" sz="1800" b="0" i="0" kern="1200" dirty="0" err="1" smtClean="0">
+                          <a:solidFill>
+                            <a:schemeClr val="tx1"/>
+                          </a:solidFill>
+                          <a:effectLst/>
+                          <a:latin typeface="+mn-lt"/>
+                          <a:ea typeface="+mn-ea"/>
+                          <a:cs typeface="+mn-cs"/>
+                        </a:rPr>
+                        <a:t>int</a:t>
+                      </a:r>
+                      <a:r>
+                        <a:rPr lang="en-US" sz="1800" b="0" i="0" kern="1200" dirty="0" smtClean="0">
+                          <a:solidFill>
+                            <a:schemeClr val="tx1"/>
+                          </a:solidFill>
+                          <a:effectLst/>
+                          <a:latin typeface="+mn-lt"/>
+                          <a:ea typeface="+mn-ea"/>
+                          <a:cs typeface="+mn-cs"/>
+                        </a:rPr>
+                        <a:t>(input())</a:t>
+                      </a:r>
+                    </a:p>
+                    <a:p>
+                      <a:r>
+                        <a:rPr lang="en-US" sz="1800" b="0" i="0" kern="1200" dirty="0" smtClean="0">
+                          <a:solidFill>
+                            <a:schemeClr val="tx1"/>
+                          </a:solidFill>
+                          <a:effectLst/>
+                          <a:latin typeface="+mn-lt"/>
+                          <a:ea typeface="+mn-ea"/>
+                          <a:cs typeface="+mn-cs"/>
+                        </a:rPr>
+                        <a:t>if (s &lt; 5) and not (t &gt; 3):</a:t>
+                      </a:r>
+                    </a:p>
+                    <a:p>
+                      <a:r>
+                        <a:rPr lang="en-US" sz="1800" b="0" i="0" kern="1200" dirty="0" smtClean="0">
+                          <a:solidFill>
+                            <a:schemeClr val="tx1"/>
+                          </a:solidFill>
+                          <a:effectLst/>
+                          <a:latin typeface="+mn-lt"/>
+                          <a:ea typeface="+mn-ea"/>
+                          <a:cs typeface="+mn-cs"/>
+                        </a:rPr>
+                        <a:t>    print("YES")</a:t>
+                      </a:r>
+                    </a:p>
+                    <a:p>
+                      <a:r>
+                        <a:rPr lang="en-US" sz="1800" b="0" i="0" kern="1200" dirty="0" smtClean="0">
+                          <a:solidFill>
+                            <a:schemeClr val="tx1"/>
+                          </a:solidFill>
+                          <a:effectLst/>
+                          <a:latin typeface="+mn-lt"/>
+                          <a:ea typeface="+mn-ea"/>
+                          <a:cs typeface="+mn-cs"/>
+                        </a:rPr>
+                        <a:t>else:</a:t>
+                      </a:r>
+                    </a:p>
+                    <a:p>
+                      <a:r>
+                        <a:rPr lang="en-US" sz="1800" b="0" i="0" kern="1200" dirty="0" smtClean="0">
+                          <a:solidFill>
+                            <a:schemeClr val="tx1"/>
+                          </a:solidFill>
+                          <a:effectLst/>
+                          <a:latin typeface="+mn-lt"/>
+                          <a:ea typeface="+mn-ea"/>
+                          <a:cs typeface="+mn-cs"/>
+                        </a:rPr>
+                        <a:t>    print("NO")</a:t>
+                      </a:r>
+                      <a:endParaRPr lang="en-US" sz="1800" b="0" i="0" kern="1200" dirty="0">
+                        <a:solidFill>
+                          <a:schemeClr val="tx1"/>
+                        </a:solidFill>
+                        <a:effectLst/>
+                        <a:latin typeface="+mn-lt"/>
+                        <a:ea typeface="+mn-ea"/>
+                        <a:cs typeface="+mn-cs"/>
+                      </a:endParaRPr>
+                    </a:p>
+                  </a:txBody>
+                  <a:tcPr marL="0" marR="0" marT="0" marB="0">
+                    <a:lnL w="12700" cap="flat" cmpd="sng" algn="ctr">
+                      <a:solidFill>
+                        <a:schemeClr val="tx1"/>
+                      </a:solidFill>
+                      <a:prstDash val="solid"/>
+                      <a:round/>
+                      <a:headEnd type="none" w="med" len="med"/>
+                      <a:tailEnd type="none" w="med" len="med"/>
+                    </a:lnL>
+                    <a:lnR w="12700" cap="flat" cmpd="sng" algn="ctr">
+                      <a:solidFill>
+                        <a:schemeClr val="tx1"/>
+                      </a:solidFill>
+                      <a:prstDash val="solid"/>
+                      <a:round/>
+                      <a:headEnd type="none" w="med" len="med"/>
+                      <a:tailEnd type="none" w="med" len="med"/>
+                    </a:lnR>
+                    <a:lnT w="12700" cap="flat" cmpd="sng" algn="ctr">
+                      <a:solidFill>
+                        <a:schemeClr val="tx1"/>
+                      </a:solidFill>
+                      <a:prstDash val="solid"/>
+                      <a:round/>
+                      <a:headEnd type="none" w="med" len="med"/>
+                      <a:tailEnd type="none" w="med" len="med"/>
+                    </a:lnT>
+                    <a:lnB w="12700" cap="flat" cmpd="sng" algn="ctr">
+                      <a:solidFill>
+                        <a:schemeClr val="tx1"/>
+                      </a:solidFill>
+                      <a:prstDash val="solid"/>
+                      <a:round/>
+                      <a:headEnd type="none" w="med" len="med"/>
+                      <a:tailEnd type="none" w="med" len="med"/>
+                    </a:lnB>
+                  </a:tcPr>
+                </a:tc>
+                <a:extLst>
+                  <a:ext uri="{0D108BD9-81ED-4DB2-BD59-A6C34878D82A}">
+                    <a16:rowId xmlns:a16="http://schemas.microsoft.com/office/drawing/2014/main" val="1960254178"/>
+                  </a:ext>
+                </a:extLst>
+              </a:tr>
+            </a:tbl>
+          </a:graphicData>
+        </a:graphic>
+      </p:graphicFrame>
+      <p:sp>
+        <p:nvSpPr>
+          <p:cNvPr id="7" name="Прямоугольник 6"/>
+          <p:cNvSpPr/>
+          <p:nvPr/>
+        </p:nvSpPr>
+        <p:spPr>
+          <a:xfrm>
+            <a:off x="11084004" y="8234"/>
+            <a:ext cx="912429" cy="369332"/>
+          </a:xfrm>
+          <a:prstGeom prst="rect">
+            <a:avLst/>
+          </a:prstGeom>
+        </p:spPr>
+        <p:txBody>
+          <a:bodyPr wrap="none">
+            <a:spAutoFit/>
+          </a:bodyPr>
+          <a:lstStyle/>
+          <a:p>
+            <a:r>
+              <a:rPr lang="en-US" b="1" dirty="0"/>
+              <a:t>EB5DF6</a:t>
+            </a:r>
+            <a:endParaRPr lang="ru-RU" dirty="0"/>
+          </a:p>
+        </p:txBody>
+      </p:sp>
+      <p:sp>
+        <p:nvSpPr>
+          <p:cNvPr id="8" name="Прямоугольник 7"/>
+          <p:cNvSpPr/>
+          <p:nvPr/>
+        </p:nvSpPr>
+        <p:spPr>
+          <a:xfrm>
+            <a:off x="184638" y="5219913"/>
+            <a:ext cx="12007362" cy="1200329"/>
+          </a:xfrm>
+          <a:prstGeom prst="rect">
+            <a:avLst/>
+          </a:prstGeom>
+        </p:spPr>
+        <p:txBody>
+          <a:bodyPr wrap="square">
+            <a:spAutoFit/>
+          </a:bodyPr>
+          <a:lstStyle/>
+          <a:p>
+            <a:r>
+              <a:rPr lang="ru-RU" dirty="0"/>
+              <a:t>Было проведено 9 запусков программы, при которых в качестве значений переменных s и t вводились следующие пары чисел</a:t>
+            </a:r>
+            <a:r>
+              <a:rPr lang="ru-RU" dirty="0" smtClean="0"/>
+              <a:t>:</a:t>
+            </a:r>
+            <a:endParaRPr lang="ru-RU" dirty="0"/>
+          </a:p>
+          <a:p>
+            <a:r>
+              <a:rPr lang="ru-RU" dirty="0"/>
+              <a:t>(2, –2); (–2, 4); (4, 1); (–12, 5); (0, –7); (1, 3); (8, 2); (3, 0); (23, 1).</a:t>
+            </a:r>
+          </a:p>
+          <a:p>
+            <a:r>
+              <a:rPr lang="ru-RU" dirty="0" smtClean="0"/>
+              <a:t>Сколько </a:t>
+            </a:r>
+            <a:r>
+              <a:rPr lang="ru-RU" dirty="0"/>
+              <a:t>было запусков, при которых программа напечатала «NO»?</a:t>
+            </a:r>
+          </a:p>
+        </p:txBody>
+      </p:sp>
+    </p:spTree>
+    <p:extLst>
+      <p:ext uri="{BB962C8B-B14F-4D97-AF65-F5344CB8AC3E}">
+        <p14:creationId xmlns:p14="http://schemas.microsoft.com/office/powerpoint/2010/main" val="4154946760"/>
+      </p:ext>
+    </p:extLst>
+  </p:cSld>
+  <p:clrMapOvr>
+    <a:masterClrMapping/>
+  </p:clrMapOvr>
+  <p:timing>
+    <p:tnLst>
+      <p:par>
+        <p:cTn id="1" dur="indefinite" restart="never" nodeType="tmRoot"/>
+      </p:par>
+    </p:tnLst>
+  </p:timing>
+</p:sld>
+</file>
+
+<file path=ppt/slides/slide15.xml><?xml version="1.0" encoding="utf-8"?>
+<p:sld xmlns:a="http://schemas.openxmlformats.org/drawingml/2006/main" xmlns:r="http://schemas.openxmlformats.org/officeDocument/2006/relationships" xmlns:p="http://schemas.openxmlformats.org/presentationml/2006/main">
+  <p:cSld>
+    <p:spTree>
+      <p:nvGrpSpPr>
+        <p:cNvPr id="1" name=""/>
+        <p:cNvGrpSpPr/>
+        <p:nvPr/>
+      </p:nvGrpSpPr>
+      <p:grpSpPr>
+        <a:xfrm>
+          <a:off x="0" y="0"/>
+          <a:ext cx="0" cy="0"/>
+          <a:chOff x="0" y="0"/>
+          <a:chExt cx="0" cy="0"/>
+        </a:xfrm>
+      </p:grpSpPr>
+      <p:sp>
+        <p:nvSpPr>
+          <p:cNvPr id="2" name="Заголовок 1"/>
+          <p:cNvSpPr>
+            <a:spLocks noGrp="1"/>
+          </p:cNvSpPr>
+          <p:nvPr>
+            <p:ph type="title"/>
+          </p:nvPr>
+        </p:nvSpPr>
+        <p:spPr/>
+        <p:txBody>
+          <a:bodyPr/>
+          <a:lstStyle/>
+          <a:p>
+            <a:r>
+              <a:rPr lang="ru-RU" dirty="0"/>
+              <a:t>Программный способ.</a:t>
+            </a:r>
+          </a:p>
+        </p:txBody>
+      </p:sp>
+      <p:pic>
+        <p:nvPicPr>
+          <p:cNvPr id="5" name="Объект 4"/>
+          <p:cNvPicPr>
+            <a:picLocks noGrp="1" noChangeAspect="1"/>
+          </p:cNvPicPr>
+          <p:nvPr>
+            <p:ph idx="1"/>
+          </p:nvPr>
+        </p:nvPicPr>
+        <p:blipFill>
+          <a:blip r:embed="rId2"/>
+          <a:stretch>
+            <a:fillRect/>
+          </a:stretch>
+        </p:blipFill>
+        <p:spPr>
+          <a:xfrm>
+            <a:off x="838200" y="2495460"/>
+            <a:ext cx="10515600" cy="3011667"/>
+          </a:xfrm>
+          <a:prstGeom prst="rect">
+            <a:avLst/>
+          </a:prstGeom>
+        </p:spPr>
+      </p:pic>
+    </p:spTree>
+    <p:extLst>
+      <p:ext uri="{BB962C8B-B14F-4D97-AF65-F5344CB8AC3E}">
+        <p14:creationId xmlns:p14="http://schemas.microsoft.com/office/powerpoint/2010/main" val="2557098923"/>
       </p:ext>
     </p:extLst>
   </p:cSld>
@@ -6013,8 +8755,8 @@
           </a:p>
         </p:txBody>
       </p:sp>
-      <mc:AlternateContent xmlns:mc="http://schemas.openxmlformats.org/markup-compatibility/2006">
-        <mc:Choice xmlns:a14="http://schemas.microsoft.com/office/drawing/2010/main" Requires="a14">
+      <mc:AlternateContent xmlns:mc="http://schemas.openxmlformats.org/markup-compatibility/2006" xmlns:a14="http://schemas.microsoft.com/office/drawing/2010/main">
+        <mc:Choice Requires="a14">
           <p:graphicFrame>
             <p:nvGraphicFramePr>
               <p:cNvPr id="4" name="Объект 3"/>
@@ -6773,11 +9515,7 @@
                           </a14:m>
                           <a:r>
                             <a:rPr lang="ru-RU" dirty="0" smtClean="0"/>
-                            <a:t>;</a:t>
-                          </a:r>
-                          <a:r>
-                            <a:rPr lang="ru-RU" dirty="0" smtClean="0"/>
-                            <a:t>)</a:t>
+                            <a:t>;)</a:t>
                           </a:r>
                           <a:endParaRPr lang="ru-RU" dirty="0"/>
                         </a:p>
@@ -7779,7 +10517,7 @@
             </a:graphic>
           </p:graphicFrame>
         </mc:Choice>
-        <mc:Fallback>
+        <mc:Fallback xmlns="">
           <p:graphicFrame>
             <p:nvGraphicFramePr>
               <p:cNvPr id="4" name="Объект 3"/>
@@ -12761,15 +15499,7 @@
             </a:r>
             <a:r>
               <a:rPr lang="en-US" dirty="0" smtClean="0"/>
-              <a:t>[-</a:t>
-            </a:r>
-            <a:r>
-              <a:rPr lang="en-US" dirty="0" smtClean="0"/>
-              <a:t>10</a:t>
-            </a:r>
-            <a:r>
-              <a:rPr lang="en-US" dirty="0" smtClean="0"/>
-              <a:t>;1]</a:t>
+              <a:t>[-10;1]</a:t>
             </a:r>
             <a:r>
               <a:rPr lang="ru-RU" dirty="0" smtClean="0"/>
@@ -13354,6 +16084,694 @@
     <p:extLst>
       <p:ext uri="{BB962C8B-B14F-4D97-AF65-F5344CB8AC3E}">
         <p14:creationId xmlns:p14="http://schemas.microsoft.com/office/powerpoint/2010/main" val="1973946284"/>
+      </p:ext>
+    </p:extLst>
+  </p:cSld>
+  <p:clrMapOvr>
+    <a:masterClrMapping/>
+  </p:clrMapOvr>
+</p:sld>
+</file>
+
+<file path=ppt/slides/slide8.xml><?xml version="1.0" encoding="utf-8"?>
+<p:sld xmlns:a="http://schemas.openxmlformats.org/drawingml/2006/main" xmlns:r="http://schemas.openxmlformats.org/officeDocument/2006/relationships" xmlns:p="http://schemas.openxmlformats.org/presentationml/2006/main">
+  <p:cSld>
+    <p:spTree>
+      <p:nvGrpSpPr>
+        <p:cNvPr id="1" name=""/>
+        <p:cNvGrpSpPr/>
+        <p:nvPr/>
+      </p:nvGrpSpPr>
+      <p:grpSpPr>
+        <a:xfrm>
+          <a:off x="0" y="0"/>
+          <a:ext cx="0" cy="0"/>
+          <a:chOff x="0" y="0"/>
+          <a:chExt cx="0" cy="0"/>
+        </a:xfrm>
+      </p:grpSpPr>
+      <p:sp>
+        <p:nvSpPr>
+          <p:cNvPr id="2" name="Заголовок 1"/>
+          <p:cNvSpPr>
+            <a:spLocks noGrp="1"/>
+          </p:cNvSpPr>
+          <p:nvPr>
+            <p:ph type="title"/>
+          </p:nvPr>
+        </p:nvSpPr>
+        <p:spPr/>
+        <p:txBody>
+          <a:bodyPr/>
+          <a:lstStyle/>
+          <a:p>
+            <a:r>
+              <a:rPr lang="ru-RU" dirty="0"/>
+              <a:t>Ниже приведена программа, записанная на пяти языках программирования.</a:t>
+            </a:r>
+            <a:endParaRPr lang="ru-RU" dirty="0"/>
+          </a:p>
+        </p:txBody>
+      </p:sp>
+      <p:graphicFrame>
+        <p:nvGraphicFramePr>
+          <p:cNvPr id="5" name="Объект 4"/>
+          <p:cNvGraphicFramePr>
+            <a:graphicFrameLocks noGrp="1"/>
+          </p:cNvGraphicFramePr>
+          <p:nvPr>
+            <p:ph idx="1"/>
+            <p:extLst>
+              <p:ext uri="{D42A27DB-BD31-4B8C-83A1-F6EECF244321}">
+                <p14:modId xmlns:p14="http://schemas.microsoft.com/office/powerpoint/2010/main" val="4048763133"/>
+              </p:ext>
+            </p:extLst>
+          </p:nvPr>
+        </p:nvGraphicFramePr>
+        <p:xfrm>
+          <a:off x="943356" y="1982581"/>
+          <a:ext cx="10305288" cy="3017520"/>
+        </p:xfrm>
+        <a:graphic>
+          <a:graphicData uri="http://schemas.openxmlformats.org/drawingml/2006/table">
+            <a:tbl>
+              <a:tblPr/>
+              <a:tblGrid>
+                <a:gridCol w="5152644">
+                  <a:extLst>
+                    <a:ext uri="{9D8B030D-6E8A-4147-A177-3AD203B41FA5}">
+                      <a16:colId xmlns:a16="http://schemas.microsoft.com/office/drawing/2014/main" val="2801880934"/>
+                    </a:ext>
+                  </a:extLst>
+                </a:gridCol>
+                <a:gridCol w="5152644">
+                  <a:extLst>
+                    <a:ext uri="{9D8B030D-6E8A-4147-A177-3AD203B41FA5}">
+                      <a16:colId xmlns:a16="http://schemas.microsoft.com/office/drawing/2014/main" val="3501760479"/>
+                    </a:ext>
+                  </a:extLst>
+                </a:gridCol>
+              </a:tblGrid>
+              <a:tr h="0">
+                <a:tc>
+                  <a:txBody>
+                    <a:bodyPr/>
+                    <a:lstStyle/>
+                    <a:p>
+                      <a:pPr algn="just"/>
+                      <a:r>
+                        <a:rPr lang="ru-RU" b="1" i="0">
+                          <a:effectLst/>
+                          <a:latin typeface="Times New Roman" panose="02020603050405020304" pitchFamily="18" charset="0"/>
+                        </a:rPr>
+                        <a:t/>
+                      </a:r>
+                      <a:br>
+                        <a:rPr lang="ru-RU" b="1" i="0">
+                          <a:effectLst/>
+                          <a:latin typeface="Times New Roman" panose="02020603050405020304" pitchFamily="18" charset="0"/>
+                        </a:rPr>
+                      </a:br>
+                      <a:r>
+                        <a:rPr lang="ru-RU" b="1" i="0">
+                          <a:effectLst/>
+                          <a:latin typeface="Times New Roman" panose="02020603050405020304" pitchFamily="18" charset="0"/>
+                        </a:rPr>
+                        <a:t>Бейсик</a:t>
+                      </a:r>
+                      <a:endParaRPr lang="ru-RU" b="0" i="0">
+                        <a:effectLst/>
+                        <a:latin typeface="Times New Roman" panose="02020603050405020304" pitchFamily="18" charset="0"/>
+                      </a:endParaRPr>
+                    </a:p>
+                  </a:txBody>
+                  <a:tcPr marL="0" marR="0" marT="0" marB="0" anchor="ctr">
+                    <a:lnL w="12700" cap="flat" cmpd="sng" algn="ctr">
+                      <a:solidFill>
+                        <a:schemeClr val="tx1"/>
+                      </a:solidFill>
+                      <a:prstDash val="solid"/>
+                      <a:round/>
+                      <a:headEnd type="none" w="med" len="med"/>
+                      <a:tailEnd type="none" w="med" len="med"/>
+                    </a:lnL>
+                    <a:lnR w="12700" cap="flat" cmpd="sng" algn="ctr">
+                      <a:solidFill>
+                        <a:schemeClr val="tx1"/>
+                      </a:solidFill>
+                      <a:prstDash val="solid"/>
+                      <a:round/>
+                      <a:headEnd type="none" w="med" len="med"/>
+                      <a:tailEnd type="none" w="med" len="med"/>
+                    </a:lnR>
+                    <a:lnT w="12700" cap="flat" cmpd="sng" algn="ctr">
+                      <a:solidFill>
+                        <a:schemeClr val="tx1"/>
+                      </a:solidFill>
+                      <a:prstDash val="solid"/>
+                      <a:round/>
+                      <a:headEnd type="none" w="med" len="med"/>
+                      <a:tailEnd type="none" w="med" len="med"/>
+                    </a:lnT>
+                    <a:lnB w="12700" cap="flat" cmpd="sng" algn="ctr">
+                      <a:solidFill>
+                        <a:schemeClr val="tx1"/>
+                      </a:solidFill>
+                      <a:prstDash val="solid"/>
+                      <a:round/>
+                      <a:headEnd type="none" w="med" len="med"/>
+                      <a:tailEnd type="none" w="med" len="med"/>
+                    </a:lnB>
+                  </a:tcPr>
+                </a:tc>
+                <a:tc>
+                  <a:txBody>
+                    <a:bodyPr/>
+                    <a:lstStyle/>
+                    <a:p>
+                      <a:pPr algn="just"/>
+                      <a:r>
+                        <a:rPr lang="en-US" b="1" i="0">
+                          <a:effectLst/>
+                          <a:latin typeface="Times New Roman" panose="02020603050405020304" pitchFamily="18" charset="0"/>
+                        </a:rPr>
+                        <a:t>Python</a:t>
+                      </a:r>
+                      <a:endParaRPr lang="en-US" b="0" i="0">
+                        <a:effectLst/>
+                        <a:latin typeface="Times New Roman" panose="02020603050405020304" pitchFamily="18" charset="0"/>
+                      </a:endParaRPr>
+                    </a:p>
+                  </a:txBody>
+                  <a:tcPr marL="0" marR="0" marT="0" marB="0">
+                    <a:lnL w="12700" cap="flat" cmpd="sng" algn="ctr">
+                      <a:solidFill>
+                        <a:schemeClr val="tx1"/>
+                      </a:solidFill>
+                      <a:prstDash val="solid"/>
+                      <a:round/>
+                      <a:headEnd type="none" w="med" len="med"/>
+                      <a:tailEnd type="none" w="med" len="med"/>
+                    </a:lnL>
+                    <a:lnR w="12700" cap="flat" cmpd="sng" algn="ctr">
+                      <a:solidFill>
+                        <a:schemeClr val="tx1"/>
+                      </a:solidFill>
+                      <a:prstDash val="solid"/>
+                      <a:round/>
+                      <a:headEnd type="none" w="med" len="med"/>
+                      <a:tailEnd type="none" w="med" len="med"/>
+                    </a:lnR>
+                    <a:lnT w="12700" cap="flat" cmpd="sng" algn="ctr">
+                      <a:solidFill>
+                        <a:schemeClr val="tx1"/>
+                      </a:solidFill>
+                      <a:prstDash val="solid"/>
+                      <a:round/>
+                      <a:headEnd type="none" w="med" len="med"/>
+                      <a:tailEnd type="none" w="med" len="med"/>
+                    </a:lnT>
+                    <a:lnB w="12700" cap="flat" cmpd="sng" algn="ctr">
+                      <a:solidFill>
+                        <a:schemeClr val="tx1"/>
+                      </a:solidFill>
+                      <a:prstDash val="solid"/>
+                      <a:round/>
+                      <a:headEnd type="none" w="med" len="med"/>
+                      <a:tailEnd type="none" w="med" len="med"/>
+                    </a:lnB>
+                  </a:tcPr>
+                </a:tc>
+                <a:extLst>
+                  <a:ext uri="{0D108BD9-81ED-4DB2-BD59-A6C34878D82A}">
+                    <a16:rowId xmlns:a16="http://schemas.microsoft.com/office/drawing/2014/main" val="789509954"/>
+                  </a:ext>
+                </a:extLst>
+              </a:tr>
+              <a:tr h="0">
+                <a:tc>
+                  <a:txBody>
+                    <a:bodyPr/>
+                    <a:lstStyle/>
+                    <a:p>
+                      <a:pPr algn="just"/>
+                      <a:r>
+                        <a:rPr lang="en-US" b="0" i="0" dirty="0">
+                          <a:effectLst/>
+                          <a:latin typeface="Times New Roman" panose="02020603050405020304" pitchFamily="18" charset="0"/>
+                        </a:rPr>
+                        <a:t>DIM s, t, A AS INTEGER</a:t>
+                      </a:r>
+                    </a:p>
+                    <a:p>
+                      <a:pPr algn="just"/>
+                      <a:r>
+                        <a:rPr lang="en-US" b="0" i="0" dirty="0">
+                          <a:effectLst/>
+                          <a:latin typeface="Times New Roman" panose="02020603050405020304" pitchFamily="18" charset="0"/>
+                        </a:rPr>
+                        <a:t>INPUT s</a:t>
+                      </a:r>
+                    </a:p>
+                    <a:p>
+                      <a:pPr algn="just"/>
+                      <a:r>
+                        <a:rPr lang="en-US" b="0" i="0" dirty="0">
+                          <a:effectLst/>
+                          <a:latin typeface="Times New Roman" panose="02020603050405020304" pitchFamily="18" charset="0"/>
+                        </a:rPr>
+                        <a:t>INPUT t</a:t>
+                      </a:r>
+                    </a:p>
+                    <a:p>
+                      <a:pPr algn="just"/>
+                      <a:r>
+                        <a:rPr lang="en-US" b="0" i="0" dirty="0">
+                          <a:effectLst/>
+                          <a:latin typeface="Times New Roman" panose="02020603050405020304" pitchFamily="18" charset="0"/>
+                        </a:rPr>
+                        <a:t>INPUT A</a:t>
+                      </a:r>
+                    </a:p>
+                    <a:p>
+                      <a:pPr algn="just"/>
+                      <a:r>
+                        <a:rPr lang="en-US" b="0" i="0" dirty="0">
+                          <a:effectLst/>
+                          <a:latin typeface="Times New Roman" panose="02020603050405020304" pitchFamily="18" charset="0"/>
+                        </a:rPr>
+                        <a:t>IF s &gt; 10 OR t &gt; А THEN</a:t>
+                      </a:r>
+                    </a:p>
+                    <a:p>
+                      <a:pPr algn="just"/>
+                      <a:r>
+                        <a:rPr lang="en-US" b="0" i="0" dirty="0">
+                          <a:effectLst/>
+                          <a:latin typeface="Times New Roman" panose="02020603050405020304" pitchFamily="18" charset="0"/>
+                        </a:rPr>
+                        <a:t>  PRINT "YES"</a:t>
+                      </a:r>
+                    </a:p>
+                    <a:p>
+                      <a:pPr algn="just"/>
+                      <a:r>
+                        <a:rPr lang="en-US" b="0" i="0" dirty="0">
+                          <a:effectLst/>
+                          <a:latin typeface="Times New Roman" panose="02020603050405020304" pitchFamily="18" charset="0"/>
+                        </a:rPr>
+                        <a:t>ELSE</a:t>
+                      </a:r>
+                    </a:p>
+                    <a:p>
+                      <a:pPr algn="just"/>
+                      <a:r>
+                        <a:rPr lang="en-US" b="0" i="0" dirty="0">
+                          <a:effectLst/>
+                          <a:latin typeface="Times New Roman" panose="02020603050405020304" pitchFamily="18" charset="0"/>
+                        </a:rPr>
+                        <a:t>  PRINT "NO"</a:t>
+                      </a:r>
+                    </a:p>
+                    <a:p>
+                      <a:pPr algn="just"/>
+                      <a:r>
+                        <a:rPr lang="en-US" b="0" i="0" dirty="0">
+                          <a:effectLst/>
+                          <a:latin typeface="Times New Roman" panose="02020603050405020304" pitchFamily="18" charset="0"/>
+                        </a:rPr>
+                        <a:t>ENDIF</a:t>
+                      </a:r>
+                    </a:p>
+                  </a:txBody>
+                  <a:tcPr marL="0" marR="0" marT="0" marB="0">
+                    <a:lnL w="12700" cap="flat" cmpd="sng" algn="ctr">
+                      <a:solidFill>
+                        <a:schemeClr val="tx1"/>
+                      </a:solidFill>
+                      <a:prstDash val="solid"/>
+                      <a:round/>
+                      <a:headEnd type="none" w="med" len="med"/>
+                      <a:tailEnd type="none" w="med" len="med"/>
+                    </a:lnL>
+                    <a:lnR w="12700" cap="flat" cmpd="sng" algn="ctr">
+                      <a:solidFill>
+                        <a:schemeClr val="tx1"/>
+                      </a:solidFill>
+                      <a:prstDash val="solid"/>
+                      <a:round/>
+                      <a:headEnd type="none" w="med" len="med"/>
+                      <a:tailEnd type="none" w="med" len="med"/>
+                    </a:lnR>
+                    <a:lnT w="12700" cap="flat" cmpd="sng" algn="ctr">
+                      <a:solidFill>
+                        <a:schemeClr val="tx1"/>
+                      </a:solidFill>
+                      <a:prstDash val="solid"/>
+                      <a:round/>
+                      <a:headEnd type="none" w="med" len="med"/>
+                      <a:tailEnd type="none" w="med" len="med"/>
+                    </a:lnT>
+                    <a:lnB w="12700" cap="flat" cmpd="sng" algn="ctr">
+                      <a:solidFill>
+                        <a:schemeClr val="tx1"/>
+                      </a:solidFill>
+                      <a:prstDash val="solid"/>
+                      <a:round/>
+                      <a:headEnd type="none" w="med" len="med"/>
+                      <a:tailEnd type="none" w="med" len="med"/>
+                    </a:lnB>
+                  </a:tcPr>
+                </a:tc>
+                <a:tc>
+                  <a:txBody>
+                    <a:bodyPr/>
+                    <a:lstStyle/>
+                    <a:p>
+                      <a:pPr algn="just"/>
+                      <a:r>
+                        <a:rPr lang="en-US" b="0" i="0" dirty="0">
+                          <a:effectLst/>
+                          <a:latin typeface="Times New Roman" panose="02020603050405020304" pitchFamily="18" charset="0"/>
+                        </a:rPr>
+                        <a:t>s = </a:t>
+                      </a:r>
+                      <a:r>
+                        <a:rPr lang="en-US" b="0" i="0" dirty="0" err="1">
+                          <a:effectLst/>
+                          <a:latin typeface="Times New Roman" panose="02020603050405020304" pitchFamily="18" charset="0"/>
+                        </a:rPr>
+                        <a:t>int</a:t>
+                      </a:r>
+                      <a:r>
+                        <a:rPr lang="en-US" b="0" i="0" dirty="0">
+                          <a:effectLst/>
+                          <a:latin typeface="Times New Roman" panose="02020603050405020304" pitchFamily="18" charset="0"/>
+                        </a:rPr>
+                        <a:t>(input())</a:t>
+                      </a:r>
+                    </a:p>
+                    <a:p>
+                      <a:pPr algn="just"/>
+                      <a:r>
+                        <a:rPr lang="en-US" b="0" i="0" dirty="0">
+                          <a:effectLst/>
+                          <a:latin typeface="Times New Roman" panose="02020603050405020304" pitchFamily="18" charset="0"/>
+                        </a:rPr>
+                        <a:t>t = </a:t>
+                      </a:r>
+                      <a:r>
+                        <a:rPr lang="en-US" b="0" i="0" dirty="0" err="1">
+                          <a:effectLst/>
+                          <a:latin typeface="Times New Roman" panose="02020603050405020304" pitchFamily="18" charset="0"/>
+                        </a:rPr>
+                        <a:t>int</a:t>
+                      </a:r>
+                      <a:r>
+                        <a:rPr lang="en-US" b="0" i="0" dirty="0">
+                          <a:effectLst/>
+                          <a:latin typeface="Times New Roman" panose="02020603050405020304" pitchFamily="18" charset="0"/>
+                        </a:rPr>
+                        <a:t>(input())</a:t>
+                      </a:r>
+                    </a:p>
+                    <a:p>
+                      <a:pPr algn="just"/>
+                      <a:r>
+                        <a:rPr lang="en-US" b="0" i="0" dirty="0">
+                          <a:effectLst/>
+                          <a:latin typeface="Times New Roman" panose="02020603050405020304" pitchFamily="18" charset="0"/>
+                        </a:rPr>
+                        <a:t>A = </a:t>
+                      </a:r>
+                      <a:r>
+                        <a:rPr lang="en-US" b="0" i="0" dirty="0" err="1">
+                          <a:effectLst/>
+                          <a:latin typeface="Times New Roman" panose="02020603050405020304" pitchFamily="18" charset="0"/>
+                        </a:rPr>
+                        <a:t>int</a:t>
+                      </a:r>
+                      <a:r>
+                        <a:rPr lang="en-US" b="0" i="0" dirty="0">
+                          <a:effectLst/>
+                          <a:latin typeface="Times New Roman" panose="02020603050405020304" pitchFamily="18" charset="0"/>
+                        </a:rPr>
+                        <a:t>(input())</a:t>
+                      </a:r>
+                    </a:p>
+                    <a:p>
+                      <a:pPr algn="just"/>
+                      <a:r>
+                        <a:rPr lang="en-US" b="0" i="0" dirty="0">
+                          <a:effectLst/>
+                          <a:latin typeface="Times New Roman" panose="02020603050405020304" pitchFamily="18" charset="0"/>
+                        </a:rPr>
+                        <a:t>if (s &gt; 10) or (t &gt; А):</a:t>
+                      </a:r>
+                    </a:p>
+                    <a:p>
+                      <a:pPr algn="just"/>
+                      <a:r>
+                        <a:rPr lang="en-US" b="0" i="0" dirty="0">
+                          <a:effectLst/>
+                          <a:latin typeface="Times New Roman" panose="02020603050405020304" pitchFamily="18" charset="0"/>
+                        </a:rPr>
+                        <a:t>    print("YES")</a:t>
+                      </a:r>
+                    </a:p>
+                    <a:p>
+                      <a:pPr algn="just"/>
+                      <a:r>
+                        <a:rPr lang="en-US" b="0" i="0" dirty="0">
+                          <a:effectLst/>
+                          <a:latin typeface="Times New Roman" panose="02020603050405020304" pitchFamily="18" charset="0"/>
+                        </a:rPr>
+                        <a:t>else:</a:t>
+                      </a:r>
+                    </a:p>
+                    <a:p>
+                      <a:pPr algn="just"/>
+                      <a:r>
+                        <a:rPr lang="en-US" b="0" i="0" dirty="0">
+                          <a:effectLst/>
+                          <a:latin typeface="Times New Roman" panose="02020603050405020304" pitchFamily="18" charset="0"/>
+                        </a:rPr>
+                        <a:t>    print("NO")</a:t>
+                      </a:r>
+                    </a:p>
+                  </a:txBody>
+                  <a:tcPr marL="0" marR="0" marT="0" marB="0">
+                    <a:lnL w="12700" cap="flat" cmpd="sng" algn="ctr">
+                      <a:solidFill>
+                        <a:schemeClr val="tx1"/>
+                      </a:solidFill>
+                      <a:prstDash val="solid"/>
+                      <a:round/>
+                      <a:headEnd type="none" w="med" len="med"/>
+                      <a:tailEnd type="none" w="med" len="med"/>
+                    </a:lnL>
+                    <a:lnR w="12700" cap="flat" cmpd="sng" algn="ctr">
+                      <a:solidFill>
+                        <a:schemeClr val="tx1"/>
+                      </a:solidFill>
+                      <a:prstDash val="solid"/>
+                      <a:round/>
+                      <a:headEnd type="none" w="med" len="med"/>
+                      <a:tailEnd type="none" w="med" len="med"/>
+                    </a:lnR>
+                    <a:lnT w="12700" cap="flat" cmpd="sng" algn="ctr">
+                      <a:solidFill>
+                        <a:schemeClr val="tx1"/>
+                      </a:solidFill>
+                      <a:prstDash val="solid"/>
+                      <a:round/>
+                      <a:headEnd type="none" w="med" len="med"/>
+                      <a:tailEnd type="none" w="med" len="med"/>
+                    </a:lnT>
+                    <a:lnB w="12700" cap="flat" cmpd="sng" algn="ctr">
+                      <a:solidFill>
+                        <a:schemeClr val="tx1"/>
+                      </a:solidFill>
+                      <a:prstDash val="solid"/>
+                      <a:round/>
+                      <a:headEnd type="none" w="med" len="med"/>
+                      <a:tailEnd type="none" w="med" len="med"/>
+                    </a:lnB>
+                  </a:tcPr>
+                </a:tc>
+                <a:extLst>
+                  <a:ext uri="{0D108BD9-81ED-4DB2-BD59-A6C34878D82A}">
+                    <a16:rowId xmlns:a16="http://schemas.microsoft.com/office/drawing/2014/main" val="1960254178"/>
+                  </a:ext>
+                </a:extLst>
+              </a:tr>
+            </a:tbl>
+          </a:graphicData>
+        </a:graphic>
+      </p:graphicFrame>
+      <p:sp>
+        <p:nvSpPr>
+          <p:cNvPr id="7" name="Прямоугольник 6"/>
+          <p:cNvSpPr/>
+          <p:nvPr/>
+        </p:nvSpPr>
+        <p:spPr>
+          <a:xfrm>
+            <a:off x="11084004" y="8234"/>
+            <a:ext cx="1107996" cy="369332"/>
+          </a:xfrm>
+          <a:prstGeom prst="rect">
+            <a:avLst/>
+          </a:prstGeom>
+        </p:spPr>
+        <p:txBody>
+          <a:bodyPr wrap="none">
+            <a:spAutoFit/>
+          </a:bodyPr>
+          <a:lstStyle/>
+          <a:p>
+            <a:r>
+              <a:rPr lang="en-US" b="1" dirty="0">
+                <a:solidFill>
+                  <a:srgbClr val="055154"/>
+                </a:solidFill>
+                <a:latin typeface="Open Sans Bold"/>
+              </a:rPr>
+              <a:t>DDA24D</a:t>
+            </a:r>
+            <a:endParaRPr lang="ru-RU" dirty="0"/>
+          </a:p>
+        </p:txBody>
+      </p:sp>
+      <p:sp>
+        <p:nvSpPr>
+          <p:cNvPr id="8" name="Прямоугольник 7"/>
+          <p:cNvSpPr/>
+          <p:nvPr/>
+        </p:nvSpPr>
+        <p:spPr>
+          <a:xfrm>
+            <a:off x="184638" y="5219913"/>
+            <a:ext cx="12007362" cy="1477328"/>
+          </a:xfrm>
+          <a:prstGeom prst="rect">
+            <a:avLst/>
+          </a:prstGeom>
+        </p:spPr>
+        <p:txBody>
+          <a:bodyPr wrap="square">
+            <a:spAutoFit/>
+          </a:bodyPr>
+          <a:lstStyle/>
+          <a:p>
+            <a:r>
+              <a:rPr lang="ru-RU" dirty="0"/>
+              <a:t>Было проведено 9 запусков программы, при которых в качестве значений переменных s и t вводились следующие пары чисел:</a:t>
+            </a:r>
+          </a:p>
+          <a:p>
+            <a:r>
+              <a:rPr lang="ru-RU" dirty="0"/>
+              <a:t>(1, 2); (11, 2); (1, 12); (11, 12); (–11, –12); (–11, 12); (–12, 11); (10, 10); (10, 5).</a:t>
+            </a:r>
+          </a:p>
+          <a:p>
+            <a:r>
+              <a:rPr lang="ru-RU" dirty="0"/>
+              <a:t>Укажите целое значение параметра А, при котором для указанных входных данных программа напечатает «NO» пять раз.</a:t>
+            </a:r>
+          </a:p>
+        </p:txBody>
+      </p:sp>
+    </p:spTree>
+    <p:extLst>
+      <p:ext uri="{BB962C8B-B14F-4D97-AF65-F5344CB8AC3E}">
+        <p14:creationId xmlns:p14="http://schemas.microsoft.com/office/powerpoint/2010/main" val="2316290117"/>
+      </p:ext>
+    </p:extLst>
+  </p:cSld>
+  <p:clrMapOvr>
+    <a:masterClrMapping/>
+  </p:clrMapOvr>
+  <p:timing>
+    <p:tnLst>
+      <p:par>
+        <p:cTn id="1" dur="indefinite" restart="never" nodeType="tmRoot"/>
+      </p:par>
+    </p:tnLst>
+  </p:timing>
+</p:sld>
+</file>
+
+<file path=ppt/slides/slide9.xml><?xml version="1.0" encoding="utf-8"?>
+<p:sld xmlns:a="http://schemas.openxmlformats.org/drawingml/2006/main" xmlns:r="http://schemas.openxmlformats.org/officeDocument/2006/relationships" xmlns:p="http://schemas.openxmlformats.org/presentationml/2006/main">
+  <p:cSld>
+    <p:spTree>
+      <p:nvGrpSpPr>
+        <p:cNvPr id="1" name=""/>
+        <p:cNvGrpSpPr/>
+        <p:nvPr/>
+      </p:nvGrpSpPr>
+      <p:grpSpPr>
+        <a:xfrm>
+          <a:off x="0" y="0"/>
+          <a:ext cx="0" cy="0"/>
+          <a:chOff x="0" y="0"/>
+          <a:chExt cx="0" cy="0"/>
+        </a:xfrm>
+      </p:grpSpPr>
+      <p:sp>
+        <p:nvSpPr>
+          <p:cNvPr id="2" name="Заголовок 1"/>
+          <p:cNvSpPr>
+            <a:spLocks noGrp="1"/>
+          </p:cNvSpPr>
+          <p:nvPr>
+            <p:ph type="title"/>
+          </p:nvPr>
+        </p:nvSpPr>
+        <p:spPr/>
+        <p:txBody>
+          <a:bodyPr/>
+          <a:lstStyle/>
+          <a:p>
+            <a:r>
+              <a:rPr lang="ru-RU" dirty="0"/>
+              <a:t>Программный способ.</a:t>
+            </a:r>
+          </a:p>
+        </p:txBody>
+      </p:sp>
+      <p:pic>
+        <p:nvPicPr>
+          <p:cNvPr id="6" name="Объект 5"/>
+          <p:cNvPicPr>
+            <a:picLocks noGrp="1" noChangeAspect="1"/>
+          </p:cNvPicPr>
+          <p:nvPr>
+            <p:ph idx="1"/>
+          </p:nvPr>
+        </p:nvPicPr>
+        <p:blipFill>
+          <a:blip r:embed="rId2"/>
+          <a:stretch>
+            <a:fillRect/>
+          </a:stretch>
+        </p:blipFill>
+        <p:spPr>
+          <a:xfrm>
+            <a:off x="838200" y="2453527"/>
+            <a:ext cx="10515600" cy="3095534"/>
+          </a:xfrm>
+          <a:prstGeom prst="rect">
+            <a:avLst/>
+          </a:prstGeom>
+        </p:spPr>
+      </p:pic>
+    </p:spTree>
+    <p:extLst>
+      <p:ext uri="{BB962C8B-B14F-4D97-AF65-F5344CB8AC3E}">
+        <p14:creationId xmlns:p14="http://schemas.microsoft.com/office/powerpoint/2010/main" val="3430439945"/>
       </p:ext>
     </p:extLst>
   </p:cSld>
